--- a/flow-chart.pptx
+++ b/flow-chart.pptx
@@ -4840,7 +4840,7 @@
         </p:spPr>
         <p:txBody>
           <a:bodyPr>
-            <a:normAutofit fontScale="92500" lnSpcReduction="10000"/>
+            <a:normAutofit fontScale="85000" lnSpcReduction="20000"/>
           </a:bodyPr>
           <a:lstStyle/>
           <a:p>
@@ -4923,6 +4923,20 @@
               <a:t>参数设定</a:t>
             </a:r>
             <a:endParaRPr kumimoji="1" lang="en-US" altLang="zh-CN" sz="2000" dirty="0"/>
+          </a:p>
+          <a:p>
+            <a:pPr marL="800100" lvl="1" indent="-342900" algn="l">
+              <a:buFont typeface="Arial" panose="020B0604020202020204" pitchFamily="34" charset="0"/>
+              <a:buChar char="•"/>
+            </a:pPr>
+            <a:r>
+              <a:rPr kumimoji="1" lang="zh-CN" altLang="en-US" sz="1600" dirty="0"/>
+              <a:t>钟数量</a:t>
+            </a:r>
+            <a:r>
+              <a:rPr kumimoji="1" lang="en-US" altLang="zh-CN" sz="1600" dirty="0"/>
+              <a:t>: 5</a:t>
+            </a:r>
           </a:p>
           <a:p>
             <a:pPr marL="800100" lvl="1" indent="-342900" algn="l">
@@ -7428,31 +7442,6 @@
               <a:t>Progress</a:t>
             </a:r>
             <a:endParaRPr kumimoji="1" lang="zh-CN" altLang="en-US" dirty="0"/>
-          </a:p>
-        </p:txBody>
-      </p:sp>
-      <p:sp>
-        <p:nvSpPr>
-          <p:cNvPr id="5" name="副标题 4">
-            <a:extLst>
-              <a:ext uri="{FF2B5EF4-FFF2-40B4-BE49-F238E27FC236}">
-                <a16:creationId xmlns:a16="http://schemas.microsoft.com/office/drawing/2014/main" id="{D0AC3415-424F-C24F-8043-23C34A53FF37}"/>
-              </a:ext>
-            </a:extLst>
-          </p:cNvPr>
-          <p:cNvSpPr>
-            <a:spLocks noGrp="1"/>
-          </p:cNvSpPr>
-          <p:nvPr>
-            <p:ph type="subTitle" idx="1"/>
-          </p:nvPr>
-        </p:nvSpPr>
-        <p:spPr/>
-        <p:txBody>
-          <a:bodyPr/>
-          <a:lstStyle/>
-          <a:p>
-            <a:endParaRPr lang="zh-CN" altLang="en-US" dirty="0"/>
           </a:p>
         </p:txBody>
       </p:sp>

--- a/flow-chart.pptx
+++ b/flow-chart.pptx
@@ -5,7 +5,7 @@
     <p:sldMasterId id="2147483648" r:id="rId1"/>
   </p:sldMasterIdLst>
   <p:notesMasterIdLst>
-    <p:notesMasterId r:id="rId20"/>
+    <p:notesMasterId r:id="rId21"/>
   </p:notesMasterIdLst>
   <p:sldIdLst>
     <p:sldId id="263" r:id="rId2"/>
@@ -26,6 +26,7 @@
     <p:sldId id="271" r:id="rId17"/>
     <p:sldId id="272" r:id="rId18"/>
     <p:sldId id="273" r:id="rId19"/>
+    <p:sldId id="274" r:id="rId20"/>
   </p:sldIdLst>
   <p:sldSz cx="12192000" cy="6858000"/>
   <p:notesSz cx="6858000" cy="9144000"/>
@@ -214,7 +215,7 @@
           <a:p>
             <a:fld id="{48113DBC-8D6F-354A-932D-C114B429BB0D}" type="datetimeFigureOut">
               <a:rPr kumimoji="1" lang="zh-CN" altLang="en-US" smtClean="0"/>
-              <a:t>2020/10/29</a:t>
+              <a:t>2021/6/12</a:t>
             </a:fld>
             <a:endParaRPr kumimoji="1" lang="zh-CN" altLang="en-US"/>
           </a:p>
@@ -901,6 +902,90 @@
 </p:notes>
 </file>
 
+<file path=ppt/notesSlides/notesSlide14.xml><?xml version="1.0" encoding="utf-8"?>
+<p:notes xmlns:a="http://schemas.openxmlformats.org/drawingml/2006/main" xmlns:r="http://schemas.openxmlformats.org/officeDocument/2006/relationships" xmlns:p="http://schemas.openxmlformats.org/presentationml/2006/main">
+  <p:cSld>
+    <p:spTree>
+      <p:nvGrpSpPr>
+        <p:cNvPr id="1" name=""/>
+        <p:cNvGrpSpPr/>
+        <p:nvPr/>
+      </p:nvGrpSpPr>
+      <p:grpSpPr>
+        <a:xfrm>
+          <a:off x="0" y="0"/>
+          <a:ext cx="0" cy="0"/>
+          <a:chOff x="0" y="0"/>
+          <a:chExt cx="0" cy="0"/>
+        </a:xfrm>
+      </p:grpSpPr>
+      <p:sp>
+        <p:nvSpPr>
+          <p:cNvPr id="2" name="幻灯片图像占位符 1"/>
+          <p:cNvSpPr>
+            <a:spLocks noGrp="1" noRot="1" noChangeAspect="1"/>
+          </p:cNvSpPr>
+          <p:nvPr>
+            <p:ph type="sldImg"/>
+          </p:nvPr>
+        </p:nvSpPr>
+        <p:spPr/>
+      </p:sp>
+      <p:sp>
+        <p:nvSpPr>
+          <p:cNvPr id="3" name="备注占位符 2"/>
+          <p:cNvSpPr>
+            <a:spLocks noGrp="1"/>
+          </p:cNvSpPr>
+          <p:nvPr>
+            <p:ph type="body" idx="1"/>
+          </p:nvPr>
+        </p:nvSpPr>
+        <p:spPr/>
+        <p:txBody>
+          <a:bodyPr/>
+          <a:lstStyle/>
+          <a:p>
+            <a:endParaRPr lang="zh-CN" altLang="en-US" dirty="0"/>
+          </a:p>
+        </p:txBody>
+      </p:sp>
+      <p:sp>
+        <p:nvSpPr>
+          <p:cNvPr id="4" name="灯片编号占位符 3"/>
+          <p:cNvSpPr>
+            <a:spLocks noGrp="1"/>
+          </p:cNvSpPr>
+          <p:nvPr>
+            <p:ph type="sldNum" sz="quarter" idx="5"/>
+          </p:nvPr>
+        </p:nvSpPr>
+        <p:spPr/>
+        <p:txBody>
+          <a:bodyPr/>
+          <a:lstStyle/>
+          <a:p>
+            <a:fld id="{39EFEFED-DE1D-BA45-B235-E8897A09E9A6}" type="slidenum">
+              <a:rPr kumimoji="1" lang="zh-CN" altLang="en-US" smtClean="0"/>
+              <a:t>19</a:t>
+            </a:fld>
+            <a:endParaRPr kumimoji="1" lang="zh-CN" altLang="en-US"/>
+          </a:p>
+        </p:txBody>
+      </p:sp>
+    </p:spTree>
+    <p:extLst>
+      <p:ext uri="{BB962C8B-B14F-4D97-AF65-F5344CB8AC3E}">
+        <p14:creationId xmlns:p14="http://schemas.microsoft.com/office/powerpoint/2010/main" val="204582149"/>
+      </p:ext>
+    </p:extLst>
+  </p:cSld>
+  <p:clrMapOvr>
+    <a:masterClrMapping/>
+  </p:clrMapOvr>
+</p:notes>
+</file>
+
 <file path=ppt/notesSlides/notesSlide2.xml><?xml version="1.0" encoding="utf-8"?>
 <p:notes xmlns:a="http://schemas.openxmlformats.org/drawingml/2006/main" xmlns:r="http://schemas.openxmlformats.org/officeDocument/2006/relationships" xmlns:p="http://schemas.openxmlformats.org/presentationml/2006/main">
   <p:cSld>
@@ -1720,7 +1805,7 @@
           <a:p>
             <a:fld id="{31CB6966-2ACE-F640-8667-1D4862ECC0F4}" type="datetimeFigureOut">
               <a:rPr kumimoji="1" lang="zh-CN" altLang="en-US" smtClean="0"/>
-              <a:t>2020/10/29</a:t>
+              <a:t>2021/6/12</a:t>
             </a:fld>
             <a:endParaRPr kumimoji="1" lang="zh-CN" altLang="en-US"/>
           </a:p>
@@ -1918,7 +2003,7 @@
           <a:p>
             <a:fld id="{31CB6966-2ACE-F640-8667-1D4862ECC0F4}" type="datetimeFigureOut">
               <a:rPr kumimoji="1" lang="zh-CN" altLang="en-US" smtClean="0"/>
-              <a:t>2020/10/29</a:t>
+              <a:t>2021/6/12</a:t>
             </a:fld>
             <a:endParaRPr kumimoji="1" lang="zh-CN" altLang="en-US"/>
           </a:p>
@@ -2126,7 +2211,7 @@
           <a:p>
             <a:fld id="{31CB6966-2ACE-F640-8667-1D4862ECC0F4}" type="datetimeFigureOut">
               <a:rPr kumimoji="1" lang="zh-CN" altLang="en-US" smtClean="0"/>
-              <a:t>2020/10/29</a:t>
+              <a:t>2021/6/12</a:t>
             </a:fld>
             <a:endParaRPr kumimoji="1" lang="zh-CN" altLang="en-US"/>
           </a:p>
@@ -2324,7 +2409,7 @@
           <a:p>
             <a:fld id="{31CB6966-2ACE-F640-8667-1D4862ECC0F4}" type="datetimeFigureOut">
               <a:rPr kumimoji="1" lang="zh-CN" altLang="en-US" smtClean="0"/>
-              <a:t>2020/10/29</a:t>
+              <a:t>2021/6/12</a:t>
             </a:fld>
             <a:endParaRPr kumimoji="1" lang="zh-CN" altLang="en-US"/>
           </a:p>
@@ -2599,7 +2684,7 @@
           <a:p>
             <a:fld id="{31CB6966-2ACE-F640-8667-1D4862ECC0F4}" type="datetimeFigureOut">
               <a:rPr kumimoji="1" lang="zh-CN" altLang="en-US" smtClean="0"/>
-              <a:t>2020/10/29</a:t>
+              <a:t>2021/6/12</a:t>
             </a:fld>
             <a:endParaRPr kumimoji="1" lang="zh-CN" altLang="en-US"/>
           </a:p>
@@ -2864,7 +2949,7 @@
           <a:p>
             <a:fld id="{31CB6966-2ACE-F640-8667-1D4862ECC0F4}" type="datetimeFigureOut">
               <a:rPr kumimoji="1" lang="zh-CN" altLang="en-US" smtClean="0"/>
-              <a:t>2020/10/29</a:t>
+              <a:t>2021/6/12</a:t>
             </a:fld>
             <a:endParaRPr kumimoji="1" lang="zh-CN" altLang="en-US"/>
           </a:p>
@@ -3276,7 +3361,7 @@
           <a:p>
             <a:fld id="{31CB6966-2ACE-F640-8667-1D4862ECC0F4}" type="datetimeFigureOut">
               <a:rPr kumimoji="1" lang="zh-CN" altLang="en-US" smtClean="0"/>
-              <a:t>2020/10/29</a:t>
+              <a:t>2021/6/12</a:t>
             </a:fld>
             <a:endParaRPr kumimoji="1" lang="zh-CN" altLang="en-US"/>
           </a:p>
@@ -3417,7 +3502,7 @@
           <a:p>
             <a:fld id="{31CB6966-2ACE-F640-8667-1D4862ECC0F4}" type="datetimeFigureOut">
               <a:rPr kumimoji="1" lang="zh-CN" altLang="en-US" smtClean="0"/>
-              <a:t>2020/10/29</a:t>
+              <a:t>2021/6/12</a:t>
             </a:fld>
             <a:endParaRPr kumimoji="1" lang="zh-CN" altLang="en-US"/>
           </a:p>
@@ -3530,7 +3615,7 @@
           <a:p>
             <a:fld id="{31CB6966-2ACE-F640-8667-1D4862ECC0F4}" type="datetimeFigureOut">
               <a:rPr kumimoji="1" lang="zh-CN" altLang="en-US" smtClean="0"/>
-              <a:t>2020/10/29</a:t>
+              <a:t>2021/6/12</a:t>
             </a:fld>
             <a:endParaRPr kumimoji="1" lang="zh-CN" altLang="en-US"/>
           </a:p>
@@ -3841,7 +3926,7 @@
           <a:p>
             <a:fld id="{31CB6966-2ACE-F640-8667-1D4862ECC0F4}" type="datetimeFigureOut">
               <a:rPr kumimoji="1" lang="zh-CN" altLang="en-US" smtClean="0"/>
-              <a:t>2020/10/29</a:t>
+              <a:t>2021/6/12</a:t>
             </a:fld>
             <a:endParaRPr kumimoji="1" lang="zh-CN" altLang="en-US"/>
           </a:p>
@@ -4129,7 +4214,7 @@
           <a:p>
             <a:fld id="{31CB6966-2ACE-F640-8667-1D4862ECC0F4}" type="datetimeFigureOut">
               <a:rPr kumimoji="1" lang="zh-CN" altLang="en-US" smtClean="0"/>
-              <a:t>2020/10/29</a:t>
+              <a:t>2021/6/12</a:t>
             </a:fld>
             <a:endParaRPr kumimoji="1" lang="zh-CN" altLang="en-US"/>
           </a:p>
@@ -4370,7 +4455,7 @@
           <a:p>
             <a:fld id="{31CB6966-2ACE-F640-8667-1D4862ECC0F4}" type="datetimeFigureOut">
               <a:rPr kumimoji="1" lang="zh-CN" altLang="en-US" smtClean="0"/>
-              <a:t>2020/10/29</a:t>
+              <a:t>2021/6/12</a:t>
             </a:fld>
             <a:endParaRPr kumimoji="1" lang="zh-CN" altLang="en-US"/>
           </a:p>
@@ -6717,7 +6802,7 @@
         </p:blipFill>
         <p:spPr>
           <a:xfrm>
-            <a:off x="6096000" y="4012687"/>
+            <a:off x="8088405" y="4468250"/>
             <a:ext cx="4040586" cy="2347487"/>
           </a:xfrm>
           <a:prstGeom prst="rect">
@@ -10840,6 +10925,2585 @@
     <p:extLst>
       <p:ext uri="{BB962C8B-B14F-4D97-AF65-F5344CB8AC3E}">
         <p14:creationId xmlns:p14="http://schemas.microsoft.com/office/powerpoint/2010/main" val="3565353835"/>
+      </p:ext>
+    </p:extLst>
+  </p:cSld>
+  <p:clrMapOvr>
+    <a:masterClrMapping/>
+  </p:clrMapOvr>
+</p:sld>
+</file>
+
+<file path=ppt/slides/slide19.xml><?xml version="1.0" encoding="utf-8"?>
+<p:sld xmlns:a="http://schemas.openxmlformats.org/drawingml/2006/main" xmlns:r="http://schemas.openxmlformats.org/officeDocument/2006/relationships" xmlns:p="http://schemas.openxmlformats.org/presentationml/2006/main">
+  <p:cSld>
+    <p:spTree>
+      <p:nvGrpSpPr>
+        <p:cNvPr id="1" name=""/>
+        <p:cNvGrpSpPr/>
+        <p:nvPr/>
+      </p:nvGrpSpPr>
+      <p:grpSpPr>
+        <a:xfrm>
+          <a:off x="0" y="0"/>
+          <a:ext cx="0" cy="0"/>
+          <a:chOff x="0" y="0"/>
+          <a:chExt cx="0" cy="0"/>
+        </a:xfrm>
+      </p:grpSpPr>
+      <p:sp>
+        <p:nvSpPr>
+          <p:cNvPr id="28" name="矩形 27">
+            <a:extLst>
+              <a:ext uri="{FF2B5EF4-FFF2-40B4-BE49-F238E27FC236}">
+                <a16:creationId xmlns:a16="http://schemas.microsoft.com/office/drawing/2014/main" id="{0EDB7843-CC02-4764-A96C-34965AB7E8C3}"/>
+              </a:ext>
+            </a:extLst>
+          </p:cNvPr>
+          <p:cNvSpPr/>
+          <p:nvPr/>
+        </p:nvSpPr>
+        <p:spPr>
+          <a:xfrm>
+            <a:off x="5829507" y="455367"/>
+            <a:ext cx="492369" cy="1985963"/>
+          </a:xfrm>
+          <a:prstGeom prst="rect">
+            <a:avLst/>
+          </a:prstGeom>
+        </p:spPr>
+        <p:style>
+          <a:lnRef idx="2">
+            <a:schemeClr val="accent5"/>
+          </a:lnRef>
+          <a:fillRef idx="1">
+            <a:schemeClr val="lt1"/>
+          </a:fillRef>
+          <a:effectRef idx="0">
+            <a:schemeClr val="accent5"/>
+          </a:effectRef>
+          <a:fontRef idx="minor">
+            <a:schemeClr val="dk1"/>
+          </a:fontRef>
+        </p:style>
+        <p:txBody>
+          <a:bodyPr rtlCol="0" anchor="ctr"/>
+          <a:lstStyle/>
+          <a:p>
+            <a:pPr marL="0" marR="0" lvl="0" indent="0" algn="ctr" defTabSz="914400" rtl="0" eaLnBrk="1" fontAlgn="auto" latinLnBrk="0" hangingPunct="1">
+              <a:lnSpc>
+                <a:spcPct val="100000"/>
+              </a:lnSpc>
+              <a:spcBef>
+                <a:spcPts val="0"/>
+              </a:spcBef>
+              <a:spcAft>
+                <a:spcPts val="0"/>
+              </a:spcAft>
+              <a:buClrTx/>
+              <a:buSzTx/>
+              <a:buFontTx/>
+              <a:buNone/>
+              <a:tabLst/>
+              <a:defRPr/>
+            </a:pPr>
+            <a:r>
+              <a:rPr kumimoji="1" lang="en-US" altLang="zh-CN" sz="900" b="1" i="0" u="none" strike="noStrike" kern="1200" cap="none" spc="0" normalizeH="0" baseline="0" noProof="0" dirty="0">
+                <a:ln>
+                  <a:noFill/>
+                </a:ln>
+                <a:solidFill>
+                  <a:prstClr val="black"/>
+                </a:solidFill>
+                <a:effectLst/>
+                <a:uLnTx/>
+                <a:uFillTx/>
+                <a:latin typeface="等线" panose="020F0502020204030204"/>
+                <a:ea typeface="等线" panose="02010600030101010101" pitchFamily="2" charset="-122"/>
+                <a:cs typeface="+mn-cs"/>
+              </a:rPr>
+              <a:t>Hm-(N)</a:t>
+            </a:r>
+            <a:endParaRPr kumimoji="1" lang="zh-CN" altLang="en-US" sz="900" b="1" i="0" u="none" strike="noStrike" kern="1200" cap="none" spc="0" normalizeH="0" baseline="0" noProof="0" dirty="0">
+              <a:ln>
+                <a:noFill/>
+              </a:ln>
+              <a:solidFill>
+                <a:prstClr val="black"/>
+              </a:solidFill>
+              <a:effectLst/>
+              <a:uLnTx/>
+              <a:uFillTx/>
+              <a:latin typeface="等线" panose="020F0502020204030204"/>
+              <a:ea typeface="等线" panose="02010600030101010101" pitchFamily="2" charset="-122"/>
+              <a:cs typeface="+mn-cs"/>
+            </a:endParaRPr>
+          </a:p>
+        </p:txBody>
+      </p:sp>
+      <p:sp>
+        <p:nvSpPr>
+          <p:cNvPr id="43" name="矩形 42">
+            <a:extLst>
+              <a:ext uri="{FF2B5EF4-FFF2-40B4-BE49-F238E27FC236}">
+                <a16:creationId xmlns:a16="http://schemas.microsoft.com/office/drawing/2014/main" id="{4129602E-F484-427C-B025-7D7F1790AD46}"/>
+              </a:ext>
+            </a:extLst>
+          </p:cNvPr>
+          <p:cNvSpPr/>
+          <p:nvPr/>
+        </p:nvSpPr>
+        <p:spPr>
+          <a:xfrm>
+            <a:off x="4411094" y="459951"/>
+            <a:ext cx="492369" cy="1985963"/>
+          </a:xfrm>
+          <a:prstGeom prst="rect">
+            <a:avLst/>
+          </a:prstGeom>
+        </p:spPr>
+        <p:style>
+          <a:lnRef idx="2">
+            <a:schemeClr val="accent5"/>
+          </a:lnRef>
+          <a:fillRef idx="1">
+            <a:schemeClr val="lt1"/>
+          </a:fillRef>
+          <a:effectRef idx="0">
+            <a:schemeClr val="accent5"/>
+          </a:effectRef>
+          <a:fontRef idx="minor">
+            <a:schemeClr val="dk1"/>
+          </a:fontRef>
+        </p:style>
+        <p:txBody>
+          <a:bodyPr rtlCol="0" anchor="ctr"/>
+          <a:lstStyle/>
+          <a:p>
+            <a:pPr marL="0" marR="0" lvl="0" indent="0" algn="ctr" defTabSz="914400" rtl="0" eaLnBrk="1" fontAlgn="auto" latinLnBrk="0" hangingPunct="1">
+              <a:lnSpc>
+                <a:spcPct val="100000"/>
+              </a:lnSpc>
+              <a:spcBef>
+                <a:spcPts val="0"/>
+              </a:spcBef>
+              <a:spcAft>
+                <a:spcPts val="0"/>
+              </a:spcAft>
+              <a:buClrTx/>
+              <a:buSzTx/>
+              <a:buFontTx/>
+              <a:buNone/>
+              <a:tabLst/>
+              <a:defRPr/>
+            </a:pPr>
+            <a:r>
+              <a:rPr kumimoji="1" lang="en-US" altLang="zh-CN" sz="900" b="1" dirty="0">
+                <a:solidFill>
+                  <a:prstClr val="black"/>
+                </a:solidFill>
+                <a:latin typeface="等线" panose="020F0502020204030204"/>
+                <a:ea typeface="等线" panose="02010600030101010101" pitchFamily="2" charset="-122"/>
+              </a:rPr>
+              <a:t>Hm-(N-2)</a:t>
+            </a:r>
+            <a:endParaRPr kumimoji="1" lang="zh-CN" altLang="en-US" sz="900" b="1" dirty="0">
+              <a:solidFill>
+                <a:prstClr val="black"/>
+              </a:solidFill>
+              <a:latin typeface="等线" panose="020F0502020204030204"/>
+              <a:ea typeface="等线" panose="02010600030101010101" pitchFamily="2" charset="-122"/>
+            </a:endParaRPr>
+          </a:p>
+        </p:txBody>
+      </p:sp>
+      <p:sp>
+        <p:nvSpPr>
+          <p:cNvPr id="44" name="矩形 43">
+            <a:extLst>
+              <a:ext uri="{FF2B5EF4-FFF2-40B4-BE49-F238E27FC236}">
+                <a16:creationId xmlns:a16="http://schemas.microsoft.com/office/drawing/2014/main" id="{828122C7-3572-4F5D-9BA5-BD7E34F2CA84}"/>
+              </a:ext>
+            </a:extLst>
+          </p:cNvPr>
+          <p:cNvSpPr/>
+          <p:nvPr/>
+        </p:nvSpPr>
+        <p:spPr>
+          <a:xfrm>
+            <a:off x="5126200" y="459952"/>
+            <a:ext cx="492369" cy="1985963"/>
+          </a:xfrm>
+          <a:prstGeom prst="rect">
+            <a:avLst/>
+          </a:prstGeom>
+        </p:spPr>
+        <p:style>
+          <a:lnRef idx="2">
+            <a:schemeClr val="accent5"/>
+          </a:lnRef>
+          <a:fillRef idx="1">
+            <a:schemeClr val="lt1"/>
+          </a:fillRef>
+          <a:effectRef idx="0">
+            <a:schemeClr val="accent5"/>
+          </a:effectRef>
+          <a:fontRef idx="minor">
+            <a:schemeClr val="dk1"/>
+          </a:fontRef>
+        </p:style>
+        <p:txBody>
+          <a:bodyPr rtlCol="0" anchor="ctr"/>
+          <a:lstStyle/>
+          <a:p>
+            <a:pPr marL="0" marR="0" lvl="0" indent="0" algn="ctr" defTabSz="914400" rtl="0" eaLnBrk="1" fontAlgn="auto" latinLnBrk="0" hangingPunct="1">
+              <a:lnSpc>
+                <a:spcPct val="100000"/>
+              </a:lnSpc>
+              <a:spcBef>
+                <a:spcPts val="0"/>
+              </a:spcBef>
+              <a:spcAft>
+                <a:spcPts val="0"/>
+              </a:spcAft>
+              <a:buClrTx/>
+              <a:buSzTx/>
+              <a:buFontTx/>
+              <a:buNone/>
+              <a:tabLst/>
+              <a:defRPr/>
+            </a:pPr>
+            <a:r>
+              <a:rPr kumimoji="1" lang="en-US" altLang="zh-CN" sz="900" b="1" dirty="0">
+                <a:solidFill>
+                  <a:prstClr val="black"/>
+                </a:solidFill>
+                <a:latin typeface="等线" panose="020F0502020204030204"/>
+                <a:ea typeface="等线" panose="02010600030101010101" pitchFamily="2" charset="-122"/>
+              </a:rPr>
+              <a:t>Hm-(N-1)</a:t>
+            </a:r>
+            <a:endParaRPr kumimoji="1" lang="zh-CN" altLang="en-US" sz="900" b="1" dirty="0">
+              <a:solidFill>
+                <a:prstClr val="black"/>
+              </a:solidFill>
+              <a:latin typeface="等线" panose="020F0502020204030204"/>
+              <a:ea typeface="等线" panose="02010600030101010101" pitchFamily="2" charset="-122"/>
+            </a:endParaRPr>
+          </a:p>
+        </p:txBody>
+      </p:sp>
+      <p:cxnSp>
+        <p:nvCxnSpPr>
+          <p:cNvPr id="4" name="直线箭头连接符 8">
+            <a:extLst>
+              <a:ext uri="{FF2B5EF4-FFF2-40B4-BE49-F238E27FC236}">
+                <a16:creationId xmlns:a16="http://schemas.microsoft.com/office/drawing/2014/main" id="{BAFCE789-027D-42BC-84E3-808BA08A8EDF}"/>
+              </a:ext>
+            </a:extLst>
+          </p:cNvPr>
+          <p:cNvCxnSpPr>
+            <a:cxnSpLocks/>
+          </p:cNvCxnSpPr>
+          <p:nvPr/>
+        </p:nvCxnSpPr>
+        <p:spPr>
+          <a:xfrm>
+            <a:off x="6824772" y="662117"/>
+            <a:ext cx="0" cy="1576754"/>
+          </a:xfrm>
+          <a:prstGeom prst="straightConnector1">
+            <a:avLst/>
+          </a:prstGeom>
+          <a:ln>
+            <a:tailEnd type="triangle"/>
+          </a:ln>
+        </p:spPr>
+        <p:style>
+          <a:lnRef idx="1">
+            <a:schemeClr val="dk1"/>
+          </a:lnRef>
+          <a:fillRef idx="0">
+            <a:schemeClr val="dk1"/>
+          </a:fillRef>
+          <a:effectRef idx="0">
+            <a:schemeClr val="dk1"/>
+          </a:effectRef>
+          <a:fontRef idx="minor">
+            <a:schemeClr val="tx1"/>
+          </a:fontRef>
+        </p:style>
+      </p:cxnSp>
+      <p:sp>
+        <p:nvSpPr>
+          <p:cNvPr id="5" name="文本框 4">
+            <a:extLst>
+              <a:ext uri="{FF2B5EF4-FFF2-40B4-BE49-F238E27FC236}">
+                <a16:creationId xmlns:a16="http://schemas.microsoft.com/office/drawing/2014/main" id="{00F4CFA6-025C-4434-B6D8-D6A1164634FB}"/>
+              </a:ext>
+            </a:extLst>
+          </p:cNvPr>
+          <p:cNvSpPr txBox="1"/>
+          <p:nvPr/>
+        </p:nvSpPr>
+        <p:spPr>
+          <a:xfrm>
+            <a:off x="894278" y="4257768"/>
+            <a:ext cx="2883874" cy="600164"/>
+          </a:xfrm>
+          <a:prstGeom prst="rect">
+            <a:avLst/>
+          </a:prstGeom>
+          <a:noFill/>
+        </p:spPr>
+        <p:txBody>
+          <a:bodyPr wrap="square" rtlCol="0">
+            <a:spAutoFit/>
+          </a:bodyPr>
+          <a:lstStyle/>
+          <a:p>
+            <a:r>
+              <a:rPr kumimoji="1" lang="zh-CN" altLang="en-US" sz="1100" dirty="0"/>
+              <a:t>  </a:t>
+            </a:r>
+            <a:r>
+              <a:rPr kumimoji="1" lang="en-US" altLang="zh-CN" sz="1100" dirty="0"/>
+              <a:t>subset-1</a:t>
+            </a:r>
+            <a:r>
+              <a:rPr kumimoji="1" lang="zh-CN" altLang="en-US" sz="1100" dirty="0"/>
+              <a:t>       </a:t>
+            </a:r>
+            <a:r>
+              <a:rPr kumimoji="1" lang="en-US" altLang="zh-CN" sz="1100" dirty="0"/>
+              <a:t>subset-2</a:t>
+            </a:r>
+            <a:r>
+              <a:rPr kumimoji="1" lang="zh-CN" altLang="en-US" sz="1100" dirty="0"/>
+              <a:t>      </a:t>
+            </a:r>
+            <a:r>
+              <a:rPr kumimoji="1" lang="en-US" altLang="zh-CN" sz="1100" dirty="0"/>
+              <a:t>subset-3</a:t>
+            </a:r>
+            <a:endParaRPr kumimoji="1" lang="zh-CN" altLang="en-US" sz="1100" dirty="0"/>
+          </a:p>
+          <a:p>
+            <a:r>
+              <a:rPr kumimoji="1" lang="zh-CN" altLang="en-US" sz="1100" dirty="0"/>
+              <a:t>     </a:t>
+            </a:r>
+            <a:r>
+              <a:rPr kumimoji="1" lang="en-US" altLang="zh-CN" sz="1100" dirty="0"/>
+              <a:t>COV             </a:t>
+            </a:r>
+            <a:r>
+              <a:rPr kumimoji="1" lang="en-US" altLang="zh-CN" sz="1100" dirty="0" err="1"/>
+              <a:t>COV</a:t>
+            </a:r>
+            <a:r>
+              <a:rPr kumimoji="1" lang="en-US" altLang="zh-CN" sz="1100" dirty="0"/>
+              <a:t>            COV</a:t>
+            </a:r>
+            <a:endParaRPr kumimoji="1" lang="zh-CN" altLang="en-US" sz="1100" dirty="0"/>
+          </a:p>
+          <a:p>
+            <a:endParaRPr kumimoji="1" lang="zh-CN" altLang="en-US" sz="1100" dirty="0"/>
+          </a:p>
+        </p:txBody>
+      </p:sp>
+      <p:sp>
+        <p:nvSpPr>
+          <p:cNvPr id="6" name="矩形 5">
+            <a:extLst>
+              <a:ext uri="{FF2B5EF4-FFF2-40B4-BE49-F238E27FC236}">
+                <a16:creationId xmlns:a16="http://schemas.microsoft.com/office/drawing/2014/main" id="{099F0195-AB67-4746-BD52-4E00A4FF3B99}"/>
+              </a:ext>
+            </a:extLst>
+          </p:cNvPr>
+          <p:cNvSpPr/>
+          <p:nvPr/>
+        </p:nvSpPr>
+        <p:spPr>
+          <a:xfrm>
+            <a:off x="472247" y="452349"/>
+            <a:ext cx="492369" cy="1985962"/>
+          </a:xfrm>
+          <a:prstGeom prst="rect">
+            <a:avLst/>
+          </a:prstGeom>
+        </p:spPr>
+        <p:style>
+          <a:lnRef idx="2">
+            <a:schemeClr val="accent5"/>
+          </a:lnRef>
+          <a:fillRef idx="1">
+            <a:schemeClr val="lt1"/>
+          </a:fillRef>
+          <a:effectRef idx="0">
+            <a:schemeClr val="accent5"/>
+          </a:effectRef>
+          <a:fontRef idx="minor">
+            <a:schemeClr val="dk1"/>
+          </a:fontRef>
+        </p:style>
+        <p:txBody>
+          <a:bodyPr rtlCol="0" anchor="ctr"/>
+          <a:lstStyle/>
+          <a:p>
+            <a:pPr algn="ctr">
+              <a:defRPr/>
+            </a:pPr>
+            <a:r>
+              <a:rPr kumimoji="1" lang="en-US" altLang="zh-CN" sz="900" b="1" dirty="0">
+                <a:solidFill>
+                  <a:prstClr val="black"/>
+                </a:solidFill>
+                <a:latin typeface="等线" panose="020F0502020204030204"/>
+                <a:ea typeface="等线" panose="02010600030101010101" pitchFamily="2" charset="-122"/>
+              </a:rPr>
+              <a:t>Hm-1</a:t>
+            </a:r>
+            <a:endParaRPr kumimoji="1" lang="zh-CN" altLang="en-US" sz="800" b="1" dirty="0">
+              <a:solidFill>
+                <a:prstClr val="black"/>
+              </a:solidFill>
+              <a:latin typeface="等线" panose="020F0502020204030204"/>
+              <a:ea typeface="等线" panose="02010600030101010101" pitchFamily="2" charset="-122"/>
+            </a:endParaRPr>
+          </a:p>
+        </p:txBody>
+      </p:sp>
+      <p:sp>
+        <p:nvSpPr>
+          <p:cNvPr id="7" name="矩形 6">
+            <a:extLst>
+              <a:ext uri="{FF2B5EF4-FFF2-40B4-BE49-F238E27FC236}">
+                <a16:creationId xmlns:a16="http://schemas.microsoft.com/office/drawing/2014/main" id="{FD5BDA7C-C177-473E-BD3E-D4E39D6E8CDB}"/>
+              </a:ext>
+            </a:extLst>
+          </p:cNvPr>
+          <p:cNvSpPr/>
+          <p:nvPr/>
+        </p:nvSpPr>
+        <p:spPr>
+          <a:xfrm>
+            <a:off x="1163909" y="452349"/>
+            <a:ext cx="492369" cy="1985962"/>
+          </a:xfrm>
+          <a:prstGeom prst="rect">
+            <a:avLst/>
+          </a:prstGeom>
+        </p:spPr>
+        <p:style>
+          <a:lnRef idx="2">
+            <a:schemeClr val="accent5"/>
+          </a:lnRef>
+          <a:fillRef idx="1">
+            <a:schemeClr val="lt1"/>
+          </a:fillRef>
+          <a:effectRef idx="0">
+            <a:schemeClr val="accent5"/>
+          </a:effectRef>
+          <a:fontRef idx="minor">
+            <a:schemeClr val="dk1"/>
+          </a:fontRef>
+        </p:style>
+        <p:txBody>
+          <a:bodyPr rtlCol="0" anchor="ctr"/>
+          <a:lstStyle/>
+          <a:p>
+            <a:pPr marL="0" marR="0" lvl="0" indent="0" algn="ctr" defTabSz="914400" rtl="0" eaLnBrk="1" fontAlgn="auto" latinLnBrk="0" hangingPunct="1">
+              <a:lnSpc>
+                <a:spcPct val="100000"/>
+              </a:lnSpc>
+              <a:spcBef>
+                <a:spcPts val="0"/>
+              </a:spcBef>
+              <a:spcAft>
+                <a:spcPts val="0"/>
+              </a:spcAft>
+              <a:buClrTx/>
+              <a:buSzTx/>
+              <a:buFontTx/>
+              <a:buNone/>
+              <a:tabLst/>
+              <a:defRPr/>
+            </a:pPr>
+            <a:r>
+              <a:rPr kumimoji="1" lang="en-US" altLang="zh-CN" sz="900" b="1" dirty="0">
+                <a:solidFill>
+                  <a:prstClr val="black"/>
+                </a:solidFill>
+                <a:latin typeface="等线" panose="020F0502020204030204"/>
+                <a:ea typeface="等线" panose="02010600030101010101" pitchFamily="2" charset="-122"/>
+              </a:rPr>
+              <a:t>Hm-2</a:t>
+            </a:r>
+            <a:endParaRPr kumimoji="1" lang="zh-CN" altLang="en-US" sz="800" b="1" dirty="0">
+              <a:solidFill>
+                <a:prstClr val="black"/>
+              </a:solidFill>
+              <a:latin typeface="等线" panose="020F0502020204030204"/>
+              <a:ea typeface="等线" panose="02010600030101010101" pitchFamily="2" charset="-122"/>
+            </a:endParaRPr>
+          </a:p>
+        </p:txBody>
+      </p:sp>
+      <p:sp>
+        <p:nvSpPr>
+          <p:cNvPr id="8" name="矩形 7">
+            <a:extLst>
+              <a:ext uri="{FF2B5EF4-FFF2-40B4-BE49-F238E27FC236}">
+                <a16:creationId xmlns:a16="http://schemas.microsoft.com/office/drawing/2014/main" id="{BDFC983E-25A3-4888-A87C-8315C880A3A6}"/>
+              </a:ext>
+            </a:extLst>
+          </p:cNvPr>
+          <p:cNvSpPr/>
+          <p:nvPr/>
+        </p:nvSpPr>
+        <p:spPr>
+          <a:xfrm>
+            <a:off x="1855571" y="452349"/>
+            <a:ext cx="492369" cy="1985962"/>
+          </a:xfrm>
+          <a:prstGeom prst="rect">
+            <a:avLst/>
+          </a:prstGeom>
+        </p:spPr>
+        <p:style>
+          <a:lnRef idx="2">
+            <a:schemeClr val="accent5"/>
+          </a:lnRef>
+          <a:fillRef idx="1">
+            <a:schemeClr val="lt1"/>
+          </a:fillRef>
+          <a:effectRef idx="0">
+            <a:schemeClr val="accent5"/>
+          </a:effectRef>
+          <a:fontRef idx="minor">
+            <a:schemeClr val="dk1"/>
+          </a:fontRef>
+        </p:style>
+        <p:txBody>
+          <a:bodyPr rtlCol="0" anchor="ctr"/>
+          <a:lstStyle/>
+          <a:p>
+            <a:pPr algn="ctr">
+              <a:defRPr/>
+            </a:pPr>
+            <a:r>
+              <a:rPr kumimoji="1" lang="en-US" altLang="zh-CN" sz="900" b="1" dirty="0">
+                <a:solidFill>
+                  <a:prstClr val="black"/>
+                </a:solidFill>
+                <a:latin typeface="等线" panose="020F0502020204030204"/>
+                <a:ea typeface="等线" panose="02010600030101010101" pitchFamily="2" charset="-122"/>
+              </a:rPr>
+              <a:t>Hm-3</a:t>
+            </a:r>
+            <a:endParaRPr kumimoji="1" lang="zh-CN" altLang="en-US" sz="800" b="1" dirty="0">
+              <a:solidFill>
+                <a:prstClr val="black"/>
+              </a:solidFill>
+              <a:latin typeface="等线" panose="020F0502020204030204"/>
+              <a:ea typeface="等线" panose="02010600030101010101" pitchFamily="2" charset="-122"/>
+            </a:endParaRPr>
+          </a:p>
+        </p:txBody>
+      </p:sp>
+      <p:sp>
+        <p:nvSpPr>
+          <p:cNvPr id="9" name="矩形 8">
+            <a:extLst>
+              <a:ext uri="{FF2B5EF4-FFF2-40B4-BE49-F238E27FC236}">
+                <a16:creationId xmlns:a16="http://schemas.microsoft.com/office/drawing/2014/main" id="{F5A3B188-559C-45C6-95EC-EF9DD9A78770}"/>
+              </a:ext>
+            </a:extLst>
+          </p:cNvPr>
+          <p:cNvSpPr/>
+          <p:nvPr/>
+        </p:nvSpPr>
+        <p:spPr>
+          <a:xfrm>
+            <a:off x="2570677" y="452348"/>
+            <a:ext cx="492369" cy="1985963"/>
+          </a:xfrm>
+          <a:prstGeom prst="rect">
+            <a:avLst/>
+          </a:prstGeom>
+        </p:spPr>
+        <p:style>
+          <a:lnRef idx="2">
+            <a:schemeClr val="accent5"/>
+          </a:lnRef>
+          <a:fillRef idx="1">
+            <a:schemeClr val="lt1"/>
+          </a:fillRef>
+          <a:effectRef idx="0">
+            <a:schemeClr val="accent5"/>
+          </a:effectRef>
+          <a:fontRef idx="minor">
+            <a:schemeClr val="dk1"/>
+          </a:fontRef>
+        </p:style>
+        <p:txBody>
+          <a:bodyPr rtlCol="0" anchor="ctr"/>
+          <a:lstStyle/>
+          <a:p>
+            <a:pPr marL="0" marR="0" lvl="0" indent="0" algn="ctr" defTabSz="914400" rtl="0" eaLnBrk="1" fontAlgn="auto" latinLnBrk="0" hangingPunct="1">
+              <a:lnSpc>
+                <a:spcPct val="100000"/>
+              </a:lnSpc>
+              <a:spcBef>
+                <a:spcPts val="0"/>
+              </a:spcBef>
+              <a:spcAft>
+                <a:spcPts val="0"/>
+              </a:spcAft>
+              <a:buClrTx/>
+              <a:buSzTx/>
+              <a:buFontTx/>
+              <a:buNone/>
+              <a:tabLst/>
+              <a:defRPr/>
+            </a:pPr>
+            <a:r>
+              <a:rPr kumimoji="1" lang="en-US" altLang="zh-CN" sz="900" b="1" dirty="0">
+                <a:solidFill>
+                  <a:prstClr val="black"/>
+                </a:solidFill>
+                <a:latin typeface="等线" panose="020F0502020204030204"/>
+                <a:ea typeface="等线" panose="02010600030101010101" pitchFamily="2" charset="-122"/>
+              </a:rPr>
+              <a:t>Hm-4</a:t>
+            </a:r>
+            <a:endParaRPr kumimoji="1" lang="zh-CN" altLang="en-US" sz="800" b="1" dirty="0">
+              <a:solidFill>
+                <a:prstClr val="black"/>
+              </a:solidFill>
+              <a:latin typeface="等线" panose="020F0502020204030204"/>
+              <a:ea typeface="等线" panose="02010600030101010101" pitchFamily="2" charset="-122"/>
+            </a:endParaRPr>
+          </a:p>
+        </p:txBody>
+      </p:sp>
+      <p:sp>
+        <p:nvSpPr>
+          <p:cNvPr id="10" name="矩形 9">
+            <a:extLst>
+              <a:ext uri="{FF2B5EF4-FFF2-40B4-BE49-F238E27FC236}">
+                <a16:creationId xmlns:a16="http://schemas.microsoft.com/office/drawing/2014/main" id="{6417B37B-DBD8-4C08-8F4D-439025EBB258}"/>
+              </a:ext>
+            </a:extLst>
+          </p:cNvPr>
+          <p:cNvSpPr/>
+          <p:nvPr/>
+        </p:nvSpPr>
+        <p:spPr>
+          <a:xfrm>
+            <a:off x="3285783" y="452349"/>
+            <a:ext cx="492369" cy="1985963"/>
+          </a:xfrm>
+          <a:prstGeom prst="rect">
+            <a:avLst/>
+          </a:prstGeom>
+        </p:spPr>
+        <p:style>
+          <a:lnRef idx="2">
+            <a:schemeClr val="accent5"/>
+          </a:lnRef>
+          <a:fillRef idx="1">
+            <a:schemeClr val="lt1"/>
+          </a:fillRef>
+          <a:effectRef idx="0">
+            <a:schemeClr val="accent5"/>
+          </a:effectRef>
+          <a:fontRef idx="minor">
+            <a:schemeClr val="dk1"/>
+          </a:fontRef>
+        </p:style>
+        <p:txBody>
+          <a:bodyPr rtlCol="0" anchor="ctr"/>
+          <a:lstStyle/>
+          <a:p>
+            <a:pPr marL="0" marR="0" lvl="0" indent="0" algn="ctr" defTabSz="914400" rtl="0" eaLnBrk="1" fontAlgn="auto" latinLnBrk="0" hangingPunct="1">
+              <a:lnSpc>
+                <a:spcPct val="100000"/>
+              </a:lnSpc>
+              <a:spcBef>
+                <a:spcPts val="0"/>
+              </a:spcBef>
+              <a:spcAft>
+                <a:spcPts val="0"/>
+              </a:spcAft>
+              <a:buClrTx/>
+              <a:buSzTx/>
+              <a:buFontTx/>
+              <a:buNone/>
+              <a:tabLst/>
+              <a:defRPr/>
+            </a:pPr>
+            <a:r>
+              <a:rPr kumimoji="1" lang="en-US" altLang="zh-CN" sz="900" b="1" dirty="0">
+                <a:solidFill>
+                  <a:prstClr val="black"/>
+                </a:solidFill>
+                <a:latin typeface="等线" panose="020F0502020204030204"/>
+                <a:ea typeface="等线" panose="02010600030101010101" pitchFamily="2" charset="-122"/>
+              </a:rPr>
+              <a:t>Hm-5</a:t>
+            </a:r>
+            <a:endParaRPr kumimoji="1" lang="zh-CN" altLang="en-US" sz="800" b="1" dirty="0">
+              <a:solidFill>
+                <a:prstClr val="black"/>
+              </a:solidFill>
+              <a:latin typeface="等线" panose="020F0502020204030204"/>
+              <a:ea typeface="等线" panose="02010600030101010101" pitchFamily="2" charset="-122"/>
+            </a:endParaRPr>
+          </a:p>
+        </p:txBody>
+      </p:sp>
+      <p:sp>
+        <p:nvSpPr>
+          <p:cNvPr id="11" name="矩形 10">
+            <a:extLst>
+              <a:ext uri="{FF2B5EF4-FFF2-40B4-BE49-F238E27FC236}">
+                <a16:creationId xmlns:a16="http://schemas.microsoft.com/office/drawing/2014/main" id="{3C53C19F-A78E-44EC-9757-527650818D7A}"/>
+              </a:ext>
+            </a:extLst>
+          </p:cNvPr>
+          <p:cNvSpPr/>
+          <p:nvPr/>
+        </p:nvSpPr>
+        <p:spPr>
+          <a:xfrm>
+            <a:off x="360498" y="452348"/>
+            <a:ext cx="6121581" cy="1187517"/>
+          </a:xfrm>
+          <a:prstGeom prst="rect">
+            <a:avLst/>
+          </a:prstGeom>
+          <a:noFill/>
+          <a:ln>
+            <a:solidFill>
+              <a:schemeClr val="tx1">
+                <a:lumMod val="95000"/>
+                <a:lumOff val="5000"/>
+              </a:schemeClr>
+            </a:solidFill>
+          </a:ln>
+        </p:spPr>
+        <p:style>
+          <a:lnRef idx="2">
+            <a:schemeClr val="accent6"/>
+          </a:lnRef>
+          <a:fillRef idx="1">
+            <a:schemeClr val="lt1"/>
+          </a:fillRef>
+          <a:effectRef idx="0">
+            <a:schemeClr val="accent6"/>
+          </a:effectRef>
+          <a:fontRef idx="minor">
+            <a:schemeClr val="dk1"/>
+          </a:fontRef>
+        </p:style>
+        <p:txBody>
+          <a:bodyPr rtlCol="0" anchor="ctr"/>
+          <a:lstStyle/>
+          <a:p>
+            <a:pPr algn="ctr"/>
+            <a:endParaRPr kumimoji="1" lang="zh-CN" altLang="en-US"/>
+          </a:p>
+        </p:txBody>
+      </p:sp>
+      <p:cxnSp>
+        <p:nvCxnSpPr>
+          <p:cNvPr id="13" name="直线箭头连接符 28">
+            <a:extLst>
+              <a:ext uri="{FF2B5EF4-FFF2-40B4-BE49-F238E27FC236}">
+                <a16:creationId xmlns:a16="http://schemas.microsoft.com/office/drawing/2014/main" id="{D98B7758-7C64-40A5-8D4E-393D817AFD0F}"/>
+              </a:ext>
+            </a:extLst>
+          </p:cNvPr>
+          <p:cNvCxnSpPr/>
+          <p:nvPr/>
+        </p:nvCxnSpPr>
+        <p:spPr>
+          <a:xfrm>
+            <a:off x="685800" y="2581275"/>
+            <a:ext cx="628650" cy="1636835"/>
+          </a:xfrm>
+          <a:prstGeom prst="straightConnector1">
+            <a:avLst/>
+          </a:prstGeom>
+          <a:ln>
+            <a:tailEnd type="triangle"/>
+          </a:ln>
+        </p:spPr>
+        <p:style>
+          <a:lnRef idx="1">
+            <a:schemeClr val="dk1"/>
+          </a:lnRef>
+          <a:fillRef idx="0">
+            <a:schemeClr val="dk1"/>
+          </a:fillRef>
+          <a:effectRef idx="0">
+            <a:schemeClr val="dk1"/>
+          </a:effectRef>
+          <a:fontRef idx="minor">
+            <a:schemeClr val="tx1"/>
+          </a:fontRef>
+        </p:style>
+      </p:cxnSp>
+      <p:cxnSp>
+        <p:nvCxnSpPr>
+          <p:cNvPr id="14" name="直线箭头连接符 31">
+            <a:extLst>
+              <a:ext uri="{FF2B5EF4-FFF2-40B4-BE49-F238E27FC236}">
+                <a16:creationId xmlns:a16="http://schemas.microsoft.com/office/drawing/2014/main" id="{79F68252-25CC-44CF-8D42-8D81908F07EF}"/>
+              </a:ext>
+            </a:extLst>
+          </p:cNvPr>
+          <p:cNvCxnSpPr>
+            <a:cxnSpLocks/>
+          </p:cNvCxnSpPr>
+          <p:nvPr/>
+        </p:nvCxnSpPr>
+        <p:spPr>
+          <a:xfrm>
+            <a:off x="1381132" y="2587549"/>
+            <a:ext cx="0" cy="1636835"/>
+          </a:xfrm>
+          <a:prstGeom prst="straightConnector1">
+            <a:avLst/>
+          </a:prstGeom>
+          <a:ln>
+            <a:tailEnd type="triangle"/>
+          </a:ln>
+        </p:spPr>
+        <p:style>
+          <a:lnRef idx="1">
+            <a:schemeClr val="dk1"/>
+          </a:lnRef>
+          <a:fillRef idx="0">
+            <a:schemeClr val="dk1"/>
+          </a:fillRef>
+          <a:effectRef idx="0">
+            <a:schemeClr val="dk1"/>
+          </a:effectRef>
+          <a:fontRef idx="minor">
+            <a:schemeClr val="tx1"/>
+          </a:fontRef>
+        </p:style>
+      </p:cxnSp>
+      <p:cxnSp>
+        <p:nvCxnSpPr>
+          <p:cNvPr id="21" name="直线箭头连接符 45">
+            <a:extLst>
+              <a:ext uri="{FF2B5EF4-FFF2-40B4-BE49-F238E27FC236}">
+                <a16:creationId xmlns:a16="http://schemas.microsoft.com/office/drawing/2014/main" id="{C86480C7-AA25-4F77-9468-E3136B59642E}"/>
+              </a:ext>
+            </a:extLst>
+          </p:cNvPr>
+          <p:cNvCxnSpPr>
+            <a:cxnSpLocks/>
+          </p:cNvCxnSpPr>
+          <p:nvPr/>
+        </p:nvCxnSpPr>
+        <p:spPr>
+          <a:xfrm flipH="1">
+            <a:off x="1464177" y="2587549"/>
+            <a:ext cx="611429" cy="1636835"/>
+          </a:xfrm>
+          <a:prstGeom prst="straightConnector1">
+            <a:avLst/>
+          </a:prstGeom>
+          <a:ln>
+            <a:tailEnd type="triangle"/>
+          </a:ln>
+        </p:spPr>
+        <p:style>
+          <a:lnRef idx="1">
+            <a:schemeClr val="dk1"/>
+          </a:lnRef>
+          <a:fillRef idx="0">
+            <a:schemeClr val="dk1"/>
+          </a:fillRef>
+          <a:effectRef idx="0">
+            <a:schemeClr val="dk1"/>
+          </a:effectRef>
+          <a:fontRef idx="minor">
+            <a:schemeClr val="tx1"/>
+          </a:fontRef>
+        </p:style>
+      </p:cxnSp>
+      <p:graphicFrame>
+        <p:nvGraphicFramePr>
+          <p:cNvPr id="23" name="表格 22">
+            <a:extLst>
+              <a:ext uri="{FF2B5EF4-FFF2-40B4-BE49-F238E27FC236}">
+                <a16:creationId xmlns:a16="http://schemas.microsoft.com/office/drawing/2014/main" id="{58523195-1B94-4070-96AB-CF8DCF3BB52C}"/>
+              </a:ext>
+            </a:extLst>
+          </p:cNvPr>
+          <p:cNvGraphicFramePr>
+            <a:graphicFrameLocks noGrp="1"/>
+          </p:cNvGraphicFramePr>
+          <p:nvPr>
+            <p:extLst>
+              <p:ext uri="{D42A27DB-BD31-4B8C-83A1-F6EECF244321}">
+                <p14:modId xmlns:p14="http://schemas.microsoft.com/office/powerpoint/2010/main" val="1796114311"/>
+              </p:ext>
+            </p:extLst>
+          </p:nvPr>
+        </p:nvGraphicFramePr>
+        <p:xfrm>
+          <a:off x="474844" y="4724996"/>
+          <a:ext cx="1010967" cy="1082025"/>
+        </p:xfrm>
+        <a:graphic>
+          <a:graphicData uri="http://schemas.openxmlformats.org/drawingml/2006/table">
+            <a:tbl>
+              <a:tblPr firstRow="1" bandRow="1">
+                <a:tableStyleId>{5940675A-B579-460E-94D1-54222C63F5DA}</a:tableStyleId>
+              </a:tblPr>
+              <a:tblGrid>
+                <a:gridCol w="336989">
+                  <a:extLst>
+                    <a:ext uri="{9D8B030D-6E8A-4147-A177-3AD203B41FA5}">
+                      <a16:colId xmlns:a16="http://schemas.microsoft.com/office/drawing/2014/main" val="1188936557"/>
+                    </a:ext>
+                  </a:extLst>
+                </a:gridCol>
+                <a:gridCol w="336989">
+                  <a:extLst>
+                    <a:ext uri="{9D8B030D-6E8A-4147-A177-3AD203B41FA5}">
+                      <a16:colId xmlns:a16="http://schemas.microsoft.com/office/drawing/2014/main" val="4005655092"/>
+                    </a:ext>
+                  </a:extLst>
+                </a:gridCol>
+                <a:gridCol w="336989">
+                  <a:extLst>
+                    <a:ext uri="{9D8B030D-6E8A-4147-A177-3AD203B41FA5}">
+                      <a16:colId xmlns:a16="http://schemas.microsoft.com/office/drawing/2014/main" val="37908674"/>
+                    </a:ext>
+                  </a:extLst>
+                </a:gridCol>
+              </a:tblGrid>
+              <a:tr h="360675">
+                <a:tc>
+                  <a:txBody>
+                    <a:bodyPr/>
+                    <a:lstStyle/>
+                    <a:p>
+                      <a:pPr algn="ctr"/>
+                      <a:r>
+                        <a:rPr lang="en-US" altLang="zh-CN" sz="800" dirty="0"/>
+                        <a:t>cov11</a:t>
+                      </a:r>
+                      <a:endParaRPr lang="zh-CN" altLang="en-US" sz="800" dirty="0"/>
+                    </a:p>
+                  </a:txBody>
+                  <a:tcPr/>
+                </a:tc>
+                <a:tc>
+                  <a:txBody>
+                    <a:bodyPr/>
+                    <a:lstStyle/>
+                    <a:p>
+                      <a:pPr marL="0" marR="0" indent="0" algn="ctr" defTabSz="914400" rtl="0" eaLnBrk="1" fontAlgn="auto" latinLnBrk="0" hangingPunct="1">
+                        <a:lnSpc>
+                          <a:spcPct val="100000"/>
+                        </a:lnSpc>
+                        <a:spcBef>
+                          <a:spcPts val="0"/>
+                        </a:spcBef>
+                        <a:spcAft>
+                          <a:spcPts val="0"/>
+                        </a:spcAft>
+                        <a:buClrTx/>
+                        <a:buSzTx/>
+                        <a:buFontTx/>
+                        <a:buNone/>
+                        <a:tabLst/>
+                        <a:defRPr/>
+                      </a:pPr>
+                      <a:r>
+                        <a:rPr kumimoji="0" lang="en-US" altLang="zh-CN" sz="800" b="0" i="0" u="none" strike="noStrike" kern="1200" cap="none" spc="0" normalizeH="0" baseline="0" noProof="0" dirty="0">
+                          <a:ln>
+                            <a:noFill/>
+                          </a:ln>
+                          <a:solidFill>
+                            <a:prstClr val="black"/>
+                          </a:solidFill>
+                          <a:effectLst/>
+                          <a:uLnTx/>
+                          <a:uFillTx/>
+                          <a:latin typeface="+mn-lt"/>
+                          <a:ea typeface="+mn-ea"/>
+                          <a:cs typeface="+mn-cs"/>
+                        </a:rPr>
+                        <a:t>cov12</a:t>
+                      </a:r>
+                      <a:endParaRPr lang="zh-CN" altLang="en-US" sz="800" dirty="0"/>
+                    </a:p>
+                  </a:txBody>
+                  <a:tcPr/>
+                </a:tc>
+                <a:tc>
+                  <a:txBody>
+                    <a:bodyPr/>
+                    <a:lstStyle/>
+                    <a:p>
+                      <a:pPr algn="ctr"/>
+                      <a:r>
+                        <a:rPr lang="en-US" altLang="zh-CN" sz="800" dirty="0"/>
+                        <a:t>cov13</a:t>
+                      </a:r>
+                      <a:endParaRPr lang="zh-CN" altLang="en-US" sz="800" dirty="0"/>
+                    </a:p>
+                  </a:txBody>
+                  <a:tcPr/>
+                </a:tc>
+                <a:extLst>
+                  <a:ext uri="{0D108BD9-81ED-4DB2-BD59-A6C34878D82A}">
+                    <a16:rowId xmlns:a16="http://schemas.microsoft.com/office/drawing/2014/main" val="4056667004"/>
+                  </a:ext>
+                </a:extLst>
+              </a:tr>
+              <a:tr h="360675">
+                <a:tc>
+                  <a:txBody>
+                    <a:bodyPr/>
+                    <a:lstStyle/>
+                    <a:p>
+                      <a:pPr algn="ctr"/>
+                      <a:r>
+                        <a:rPr lang="en-US" altLang="zh-CN" sz="800" dirty="0"/>
+                        <a:t>cov21</a:t>
+                      </a:r>
+                      <a:endParaRPr lang="zh-CN" altLang="en-US" sz="800" dirty="0"/>
+                    </a:p>
+                  </a:txBody>
+                  <a:tcPr/>
+                </a:tc>
+                <a:tc>
+                  <a:txBody>
+                    <a:bodyPr/>
+                    <a:lstStyle/>
+                    <a:p>
+                      <a:pPr algn="ctr"/>
+                      <a:r>
+                        <a:rPr lang="en-US" altLang="zh-CN" sz="800" dirty="0"/>
+                        <a:t>cov22</a:t>
+                      </a:r>
+                      <a:endParaRPr lang="zh-CN" altLang="en-US" sz="800" dirty="0"/>
+                    </a:p>
+                  </a:txBody>
+                  <a:tcPr/>
+                </a:tc>
+                <a:tc>
+                  <a:txBody>
+                    <a:bodyPr/>
+                    <a:lstStyle/>
+                    <a:p>
+                      <a:pPr algn="ctr"/>
+                      <a:r>
+                        <a:rPr lang="en-US" altLang="zh-CN" sz="800" dirty="0"/>
+                        <a:t>cov23</a:t>
+                      </a:r>
+                      <a:endParaRPr lang="zh-CN" altLang="en-US" sz="800" dirty="0"/>
+                    </a:p>
+                  </a:txBody>
+                  <a:tcPr/>
+                </a:tc>
+                <a:extLst>
+                  <a:ext uri="{0D108BD9-81ED-4DB2-BD59-A6C34878D82A}">
+                    <a16:rowId xmlns:a16="http://schemas.microsoft.com/office/drawing/2014/main" val="695495822"/>
+                  </a:ext>
+                </a:extLst>
+              </a:tr>
+              <a:tr h="360675">
+                <a:tc>
+                  <a:txBody>
+                    <a:bodyPr/>
+                    <a:lstStyle/>
+                    <a:p>
+                      <a:pPr algn="ctr"/>
+                      <a:r>
+                        <a:rPr lang="en-US" altLang="zh-CN" sz="800" dirty="0"/>
+                        <a:t>cov31</a:t>
+                      </a:r>
+                      <a:endParaRPr lang="zh-CN" altLang="en-US" sz="800" dirty="0"/>
+                    </a:p>
+                  </a:txBody>
+                  <a:tcPr/>
+                </a:tc>
+                <a:tc>
+                  <a:txBody>
+                    <a:bodyPr/>
+                    <a:lstStyle/>
+                    <a:p>
+                      <a:pPr algn="ctr"/>
+                      <a:r>
+                        <a:rPr lang="en-US" altLang="zh-CN" sz="800" dirty="0"/>
+                        <a:t>cov32</a:t>
+                      </a:r>
+                      <a:endParaRPr lang="zh-CN" altLang="en-US" sz="800" dirty="0"/>
+                    </a:p>
+                  </a:txBody>
+                  <a:tcPr/>
+                </a:tc>
+                <a:tc>
+                  <a:txBody>
+                    <a:bodyPr/>
+                    <a:lstStyle/>
+                    <a:p>
+                      <a:pPr algn="ctr"/>
+                      <a:r>
+                        <a:rPr lang="en-US" altLang="zh-CN" sz="800" dirty="0"/>
+                        <a:t>cov33</a:t>
+                      </a:r>
+                      <a:endParaRPr lang="zh-CN" altLang="en-US" sz="800" dirty="0"/>
+                    </a:p>
+                  </a:txBody>
+                  <a:tcPr/>
+                </a:tc>
+                <a:extLst>
+                  <a:ext uri="{0D108BD9-81ED-4DB2-BD59-A6C34878D82A}">
+                    <a16:rowId xmlns:a16="http://schemas.microsoft.com/office/drawing/2014/main" val="4182403726"/>
+                  </a:ext>
+                </a:extLst>
+              </a:tr>
+            </a:tbl>
+          </a:graphicData>
+        </a:graphic>
+      </p:graphicFrame>
+      <p:graphicFrame>
+        <p:nvGraphicFramePr>
+          <p:cNvPr id="24" name="表格 23">
+            <a:extLst>
+              <a:ext uri="{FF2B5EF4-FFF2-40B4-BE49-F238E27FC236}">
+                <a16:creationId xmlns:a16="http://schemas.microsoft.com/office/drawing/2014/main" id="{ACCE82B6-CA6D-4DF0-9C5A-12BF62209BF9}"/>
+              </a:ext>
+            </a:extLst>
+          </p:cNvPr>
+          <p:cNvGraphicFramePr>
+            <a:graphicFrameLocks noGrp="1"/>
+          </p:cNvGraphicFramePr>
+          <p:nvPr>
+            <p:extLst>
+              <p:ext uri="{D42A27DB-BD31-4B8C-83A1-F6EECF244321}">
+                <p14:modId xmlns:p14="http://schemas.microsoft.com/office/powerpoint/2010/main" val="2393502368"/>
+              </p:ext>
+            </p:extLst>
+          </p:nvPr>
+        </p:nvGraphicFramePr>
+        <p:xfrm>
+          <a:off x="1625342" y="4724995"/>
+          <a:ext cx="1010967" cy="1082025"/>
+        </p:xfrm>
+        <a:graphic>
+          <a:graphicData uri="http://schemas.openxmlformats.org/drawingml/2006/table">
+            <a:tbl>
+              <a:tblPr firstRow="1" bandRow="1">
+                <a:tableStyleId>{5940675A-B579-460E-94D1-54222C63F5DA}</a:tableStyleId>
+              </a:tblPr>
+              <a:tblGrid>
+                <a:gridCol w="336989">
+                  <a:extLst>
+                    <a:ext uri="{9D8B030D-6E8A-4147-A177-3AD203B41FA5}">
+                      <a16:colId xmlns:a16="http://schemas.microsoft.com/office/drawing/2014/main" val="1188936557"/>
+                    </a:ext>
+                  </a:extLst>
+                </a:gridCol>
+                <a:gridCol w="336989">
+                  <a:extLst>
+                    <a:ext uri="{9D8B030D-6E8A-4147-A177-3AD203B41FA5}">
+                      <a16:colId xmlns:a16="http://schemas.microsoft.com/office/drawing/2014/main" val="4005655092"/>
+                    </a:ext>
+                  </a:extLst>
+                </a:gridCol>
+                <a:gridCol w="336989">
+                  <a:extLst>
+                    <a:ext uri="{9D8B030D-6E8A-4147-A177-3AD203B41FA5}">
+                      <a16:colId xmlns:a16="http://schemas.microsoft.com/office/drawing/2014/main" val="37908674"/>
+                    </a:ext>
+                  </a:extLst>
+                </a:gridCol>
+              </a:tblGrid>
+              <a:tr h="360675">
+                <a:tc>
+                  <a:txBody>
+                    <a:bodyPr/>
+                    <a:lstStyle/>
+                    <a:p>
+                      <a:pPr algn="ctr"/>
+                      <a:r>
+                        <a:rPr lang="en-US" altLang="zh-CN" sz="800" dirty="0"/>
+                        <a:t>cov11</a:t>
+                      </a:r>
+                      <a:endParaRPr lang="zh-CN" altLang="en-US" sz="800" dirty="0"/>
+                    </a:p>
+                  </a:txBody>
+                  <a:tcPr/>
+                </a:tc>
+                <a:tc>
+                  <a:txBody>
+                    <a:bodyPr/>
+                    <a:lstStyle/>
+                    <a:p>
+                      <a:pPr marL="0" marR="0" indent="0" algn="ctr" defTabSz="914400" rtl="0" eaLnBrk="1" fontAlgn="auto" latinLnBrk="0" hangingPunct="1">
+                        <a:lnSpc>
+                          <a:spcPct val="100000"/>
+                        </a:lnSpc>
+                        <a:spcBef>
+                          <a:spcPts val="0"/>
+                        </a:spcBef>
+                        <a:spcAft>
+                          <a:spcPts val="0"/>
+                        </a:spcAft>
+                        <a:buClrTx/>
+                        <a:buSzTx/>
+                        <a:buFontTx/>
+                        <a:buNone/>
+                        <a:tabLst/>
+                        <a:defRPr/>
+                      </a:pPr>
+                      <a:r>
+                        <a:rPr kumimoji="0" lang="en-US" altLang="zh-CN" sz="800" b="0" i="0" u="none" strike="noStrike" kern="1200" cap="none" spc="0" normalizeH="0" baseline="0" noProof="0" dirty="0">
+                          <a:ln>
+                            <a:noFill/>
+                          </a:ln>
+                          <a:solidFill>
+                            <a:prstClr val="black"/>
+                          </a:solidFill>
+                          <a:effectLst/>
+                          <a:uLnTx/>
+                          <a:uFillTx/>
+                          <a:latin typeface="+mn-lt"/>
+                          <a:ea typeface="+mn-ea"/>
+                          <a:cs typeface="+mn-cs"/>
+                        </a:rPr>
+                        <a:t>cov12</a:t>
+                      </a:r>
+                      <a:endParaRPr lang="zh-CN" altLang="en-US" sz="800" dirty="0"/>
+                    </a:p>
+                  </a:txBody>
+                  <a:tcPr/>
+                </a:tc>
+                <a:tc>
+                  <a:txBody>
+                    <a:bodyPr/>
+                    <a:lstStyle/>
+                    <a:p>
+                      <a:pPr algn="ctr"/>
+                      <a:r>
+                        <a:rPr lang="en-US" altLang="zh-CN" sz="800" dirty="0"/>
+                        <a:t>cov13</a:t>
+                      </a:r>
+                      <a:endParaRPr lang="zh-CN" altLang="en-US" sz="800" dirty="0"/>
+                    </a:p>
+                  </a:txBody>
+                  <a:tcPr/>
+                </a:tc>
+                <a:extLst>
+                  <a:ext uri="{0D108BD9-81ED-4DB2-BD59-A6C34878D82A}">
+                    <a16:rowId xmlns:a16="http://schemas.microsoft.com/office/drawing/2014/main" val="4056667004"/>
+                  </a:ext>
+                </a:extLst>
+              </a:tr>
+              <a:tr h="360675">
+                <a:tc>
+                  <a:txBody>
+                    <a:bodyPr/>
+                    <a:lstStyle/>
+                    <a:p>
+                      <a:pPr algn="ctr"/>
+                      <a:r>
+                        <a:rPr lang="en-US" altLang="zh-CN" sz="800" dirty="0"/>
+                        <a:t>cov21</a:t>
+                      </a:r>
+                      <a:endParaRPr lang="zh-CN" altLang="en-US" sz="800" dirty="0"/>
+                    </a:p>
+                  </a:txBody>
+                  <a:tcPr/>
+                </a:tc>
+                <a:tc>
+                  <a:txBody>
+                    <a:bodyPr/>
+                    <a:lstStyle/>
+                    <a:p>
+                      <a:pPr algn="ctr"/>
+                      <a:r>
+                        <a:rPr lang="en-US" altLang="zh-CN" sz="800" dirty="0"/>
+                        <a:t>cov22</a:t>
+                      </a:r>
+                      <a:endParaRPr lang="zh-CN" altLang="en-US" sz="800" dirty="0"/>
+                    </a:p>
+                  </a:txBody>
+                  <a:tcPr/>
+                </a:tc>
+                <a:tc>
+                  <a:txBody>
+                    <a:bodyPr/>
+                    <a:lstStyle/>
+                    <a:p>
+                      <a:pPr algn="ctr"/>
+                      <a:r>
+                        <a:rPr lang="en-US" altLang="zh-CN" sz="800" dirty="0"/>
+                        <a:t>cov23</a:t>
+                      </a:r>
+                      <a:endParaRPr lang="zh-CN" altLang="en-US" sz="800" dirty="0"/>
+                    </a:p>
+                  </a:txBody>
+                  <a:tcPr/>
+                </a:tc>
+                <a:extLst>
+                  <a:ext uri="{0D108BD9-81ED-4DB2-BD59-A6C34878D82A}">
+                    <a16:rowId xmlns:a16="http://schemas.microsoft.com/office/drawing/2014/main" val="695495822"/>
+                  </a:ext>
+                </a:extLst>
+              </a:tr>
+              <a:tr h="360675">
+                <a:tc>
+                  <a:txBody>
+                    <a:bodyPr/>
+                    <a:lstStyle/>
+                    <a:p>
+                      <a:pPr algn="ctr"/>
+                      <a:r>
+                        <a:rPr lang="en-US" altLang="zh-CN" sz="800" dirty="0"/>
+                        <a:t>cov31</a:t>
+                      </a:r>
+                      <a:endParaRPr lang="zh-CN" altLang="en-US" sz="800" dirty="0"/>
+                    </a:p>
+                  </a:txBody>
+                  <a:tcPr/>
+                </a:tc>
+                <a:tc>
+                  <a:txBody>
+                    <a:bodyPr/>
+                    <a:lstStyle/>
+                    <a:p>
+                      <a:pPr algn="ctr"/>
+                      <a:r>
+                        <a:rPr lang="en-US" altLang="zh-CN" sz="800" dirty="0"/>
+                        <a:t>cov32</a:t>
+                      </a:r>
+                      <a:endParaRPr lang="zh-CN" altLang="en-US" sz="800" dirty="0"/>
+                    </a:p>
+                  </a:txBody>
+                  <a:tcPr/>
+                </a:tc>
+                <a:tc>
+                  <a:txBody>
+                    <a:bodyPr/>
+                    <a:lstStyle/>
+                    <a:p>
+                      <a:pPr algn="ctr"/>
+                      <a:r>
+                        <a:rPr lang="en-US" altLang="zh-CN" sz="800" dirty="0"/>
+                        <a:t>cov33</a:t>
+                      </a:r>
+                      <a:endParaRPr lang="zh-CN" altLang="en-US" sz="800" dirty="0"/>
+                    </a:p>
+                  </a:txBody>
+                  <a:tcPr/>
+                </a:tc>
+                <a:extLst>
+                  <a:ext uri="{0D108BD9-81ED-4DB2-BD59-A6C34878D82A}">
+                    <a16:rowId xmlns:a16="http://schemas.microsoft.com/office/drawing/2014/main" val="4182403726"/>
+                  </a:ext>
+                </a:extLst>
+              </a:tr>
+            </a:tbl>
+          </a:graphicData>
+        </a:graphic>
+      </p:graphicFrame>
+      <p:graphicFrame>
+        <p:nvGraphicFramePr>
+          <p:cNvPr id="25" name="表格 24">
+            <a:extLst>
+              <a:ext uri="{FF2B5EF4-FFF2-40B4-BE49-F238E27FC236}">
+                <a16:creationId xmlns:a16="http://schemas.microsoft.com/office/drawing/2014/main" id="{FA6B8343-AA4B-4DA4-8AFD-B767EBCE3557}"/>
+              </a:ext>
+            </a:extLst>
+          </p:cNvPr>
+          <p:cNvGraphicFramePr>
+            <a:graphicFrameLocks noGrp="1"/>
+          </p:cNvGraphicFramePr>
+          <p:nvPr>
+            <p:extLst>
+              <p:ext uri="{D42A27DB-BD31-4B8C-83A1-F6EECF244321}">
+                <p14:modId xmlns:p14="http://schemas.microsoft.com/office/powerpoint/2010/main" val="679117140"/>
+              </p:ext>
+            </p:extLst>
+          </p:nvPr>
+        </p:nvGraphicFramePr>
+        <p:xfrm>
+          <a:off x="2775842" y="4724489"/>
+          <a:ext cx="1010967" cy="1082025"/>
+        </p:xfrm>
+        <a:graphic>
+          <a:graphicData uri="http://schemas.openxmlformats.org/drawingml/2006/table">
+            <a:tbl>
+              <a:tblPr firstRow="1" bandRow="1">
+                <a:tableStyleId>{5940675A-B579-460E-94D1-54222C63F5DA}</a:tableStyleId>
+              </a:tblPr>
+              <a:tblGrid>
+                <a:gridCol w="336989">
+                  <a:extLst>
+                    <a:ext uri="{9D8B030D-6E8A-4147-A177-3AD203B41FA5}">
+                      <a16:colId xmlns:a16="http://schemas.microsoft.com/office/drawing/2014/main" val="1188936557"/>
+                    </a:ext>
+                  </a:extLst>
+                </a:gridCol>
+                <a:gridCol w="336989">
+                  <a:extLst>
+                    <a:ext uri="{9D8B030D-6E8A-4147-A177-3AD203B41FA5}">
+                      <a16:colId xmlns:a16="http://schemas.microsoft.com/office/drawing/2014/main" val="4005655092"/>
+                    </a:ext>
+                  </a:extLst>
+                </a:gridCol>
+                <a:gridCol w="336989">
+                  <a:extLst>
+                    <a:ext uri="{9D8B030D-6E8A-4147-A177-3AD203B41FA5}">
+                      <a16:colId xmlns:a16="http://schemas.microsoft.com/office/drawing/2014/main" val="37908674"/>
+                    </a:ext>
+                  </a:extLst>
+                </a:gridCol>
+              </a:tblGrid>
+              <a:tr h="360675">
+                <a:tc>
+                  <a:txBody>
+                    <a:bodyPr/>
+                    <a:lstStyle/>
+                    <a:p>
+                      <a:pPr algn="ctr"/>
+                      <a:r>
+                        <a:rPr lang="en-US" altLang="zh-CN" sz="800" dirty="0"/>
+                        <a:t>cov11</a:t>
+                      </a:r>
+                      <a:endParaRPr lang="zh-CN" altLang="en-US" sz="800" dirty="0"/>
+                    </a:p>
+                  </a:txBody>
+                  <a:tcPr/>
+                </a:tc>
+                <a:tc>
+                  <a:txBody>
+                    <a:bodyPr/>
+                    <a:lstStyle/>
+                    <a:p>
+                      <a:pPr marL="0" marR="0" indent="0" algn="ctr" defTabSz="914400" rtl="0" eaLnBrk="1" fontAlgn="auto" latinLnBrk="0" hangingPunct="1">
+                        <a:lnSpc>
+                          <a:spcPct val="100000"/>
+                        </a:lnSpc>
+                        <a:spcBef>
+                          <a:spcPts val="0"/>
+                        </a:spcBef>
+                        <a:spcAft>
+                          <a:spcPts val="0"/>
+                        </a:spcAft>
+                        <a:buClrTx/>
+                        <a:buSzTx/>
+                        <a:buFontTx/>
+                        <a:buNone/>
+                        <a:tabLst/>
+                        <a:defRPr/>
+                      </a:pPr>
+                      <a:r>
+                        <a:rPr kumimoji="0" lang="en-US" altLang="zh-CN" sz="800" b="0" i="0" u="none" strike="noStrike" kern="1200" cap="none" spc="0" normalizeH="0" baseline="0" noProof="0" dirty="0">
+                          <a:ln>
+                            <a:noFill/>
+                          </a:ln>
+                          <a:solidFill>
+                            <a:prstClr val="black"/>
+                          </a:solidFill>
+                          <a:effectLst/>
+                          <a:uLnTx/>
+                          <a:uFillTx/>
+                          <a:latin typeface="+mn-lt"/>
+                          <a:ea typeface="+mn-ea"/>
+                          <a:cs typeface="+mn-cs"/>
+                        </a:rPr>
+                        <a:t>cov12</a:t>
+                      </a:r>
+                      <a:endParaRPr lang="zh-CN" altLang="en-US" sz="800" dirty="0"/>
+                    </a:p>
+                  </a:txBody>
+                  <a:tcPr/>
+                </a:tc>
+                <a:tc>
+                  <a:txBody>
+                    <a:bodyPr/>
+                    <a:lstStyle/>
+                    <a:p>
+                      <a:pPr algn="ctr"/>
+                      <a:r>
+                        <a:rPr lang="en-US" altLang="zh-CN" sz="800" dirty="0"/>
+                        <a:t>cov13</a:t>
+                      </a:r>
+                      <a:endParaRPr lang="zh-CN" altLang="en-US" sz="800" dirty="0"/>
+                    </a:p>
+                  </a:txBody>
+                  <a:tcPr/>
+                </a:tc>
+                <a:extLst>
+                  <a:ext uri="{0D108BD9-81ED-4DB2-BD59-A6C34878D82A}">
+                    <a16:rowId xmlns:a16="http://schemas.microsoft.com/office/drawing/2014/main" val="4056667004"/>
+                  </a:ext>
+                </a:extLst>
+              </a:tr>
+              <a:tr h="360675">
+                <a:tc>
+                  <a:txBody>
+                    <a:bodyPr/>
+                    <a:lstStyle/>
+                    <a:p>
+                      <a:pPr algn="ctr"/>
+                      <a:r>
+                        <a:rPr lang="en-US" altLang="zh-CN" sz="800" dirty="0"/>
+                        <a:t>cov21</a:t>
+                      </a:r>
+                      <a:endParaRPr lang="zh-CN" altLang="en-US" sz="800" dirty="0"/>
+                    </a:p>
+                  </a:txBody>
+                  <a:tcPr/>
+                </a:tc>
+                <a:tc>
+                  <a:txBody>
+                    <a:bodyPr/>
+                    <a:lstStyle/>
+                    <a:p>
+                      <a:pPr algn="ctr"/>
+                      <a:r>
+                        <a:rPr lang="en-US" altLang="zh-CN" sz="800" dirty="0"/>
+                        <a:t>cov22</a:t>
+                      </a:r>
+                      <a:endParaRPr lang="zh-CN" altLang="en-US" sz="800" dirty="0"/>
+                    </a:p>
+                  </a:txBody>
+                  <a:tcPr/>
+                </a:tc>
+                <a:tc>
+                  <a:txBody>
+                    <a:bodyPr/>
+                    <a:lstStyle/>
+                    <a:p>
+                      <a:pPr algn="ctr"/>
+                      <a:r>
+                        <a:rPr lang="en-US" altLang="zh-CN" sz="800" dirty="0"/>
+                        <a:t>cov23</a:t>
+                      </a:r>
+                      <a:endParaRPr lang="zh-CN" altLang="en-US" sz="800" dirty="0"/>
+                    </a:p>
+                  </a:txBody>
+                  <a:tcPr/>
+                </a:tc>
+                <a:extLst>
+                  <a:ext uri="{0D108BD9-81ED-4DB2-BD59-A6C34878D82A}">
+                    <a16:rowId xmlns:a16="http://schemas.microsoft.com/office/drawing/2014/main" val="695495822"/>
+                  </a:ext>
+                </a:extLst>
+              </a:tr>
+              <a:tr h="360675">
+                <a:tc>
+                  <a:txBody>
+                    <a:bodyPr/>
+                    <a:lstStyle/>
+                    <a:p>
+                      <a:pPr algn="ctr"/>
+                      <a:r>
+                        <a:rPr lang="en-US" altLang="zh-CN" sz="800" dirty="0"/>
+                        <a:t>cov31</a:t>
+                      </a:r>
+                      <a:endParaRPr lang="zh-CN" altLang="en-US" sz="800" dirty="0"/>
+                    </a:p>
+                  </a:txBody>
+                  <a:tcPr/>
+                </a:tc>
+                <a:tc>
+                  <a:txBody>
+                    <a:bodyPr/>
+                    <a:lstStyle/>
+                    <a:p>
+                      <a:pPr algn="ctr"/>
+                      <a:r>
+                        <a:rPr lang="en-US" altLang="zh-CN" sz="800" dirty="0"/>
+                        <a:t>cov32</a:t>
+                      </a:r>
+                      <a:endParaRPr lang="zh-CN" altLang="en-US" sz="800" dirty="0"/>
+                    </a:p>
+                  </a:txBody>
+                  <a:tcPr/>
+                </a:tc>
+                <a:tc>
+                  <a:txBody>
+                    <a:bodyPr/>
+                    <a:lstStyle/>
+                    <a:p>
+                      <a:pPr algn="ctr"/>
+                      <a:r>
+                        <a:rPr lang="en-US" altLang="zh-CN" sz="800" dirty="0"/>
+                        <a:t>cov33</a:t>
+                      </a:r>
+                      <a:endParaRPr lang="zh-CN" altLang="en-US" sz="800" dirty="0"/>
+                    </a:p>
+                  </a:txBody>
+                  <a:tcPr/>
+                </a:tc>
+                <a:extLst>
+                  <a:ext uri="{0D108BD9-81ED-4DB2-BD59-A6C34878D82A}">
+                    <a16:rowId xmlns:a16="http://schemas.microsoft.com/office/drawing/2014/main" val="4182403726"/>
+                  </a:ext>
+                </a:extLst>
+              </a:tr>
+            </a:tbl>
+          </a:graphicData>
+        </a:graphic>
+      </p:graphicFrame>
+      <p:sp>
+        <p:nvSpPr>
+          <p:cNvPr id="27" name="文本框 26">
+            <a:extLst>
+              <a:ext uri="{FF2B5EF4-FFF2-40B4-BE49-F238E27FC236}">
+                <a16:creationId xmlns:a16="http://schemas.microsoft.com/office/drawing/2014/main" id="{E1517BC4-5BE0-4BBB-BB75-AE2590348859}"/>
+              </a:ext>
+            </a:extLst>
+          </p:cNvPr>
+          <p:cNvSpPr txBox="1"/>
+          <p:nvPr/>
+        </p:nvSpPr>
+        <p:spPr>
+          <a:xfrm>
+            <a:off x="2281896" y="6178699"/>
+            <a:ext cx="1808480" cy="261610"/>
+          </a:xfrm>
+          <a:prstGeom prst="rect">
+            <a:avLst/>
+          </a:prstGeom>
+          <a:noFill/>
+        </p:spPr>
+        <p:txBody>
+          <a:bodyPr wrap="square" rtlCol="0">
+            <a:spAutoFit/>
+          </a:bodyPr>
+          <a:lstStyle/>
+          <a:p>
+            <a:pPr algn="ctr"/>
+            <a:r>
+              <a:rPr lang="en-US" altLang="zh-CN" sz="1100" b="1" dirty="0"/>
+              <a:t>Mean</a:t>
+            </a:r>
+            <a:endParaRPr lang="zh-CN" altLang="en-US" sz="1100" b="1" dirty="0"/>
+          </a:p>
+        </p:txBody>
+      </p:sp>
+      <p:sp>
+        <p:nvSpPr>
+          <p:cNvPr id="29" name="文本框 28">
+            <a:extLst>
+              <a:ext uri="{FF2B5EF4-FFF2-40B4-BE49-F238E27FC236}">
+                <a16:creationId xmlns:a16="http://schemas.microsoft.com/office/drawing/2014/main" id="{B204B9C7-CEA9-423B-803B-1FAC3DFFA629}"/>
+              </a:ext>
+            </a:extLst>
+          </p:cNvPr>
+          <p:cNvSpPr txBox="1"/>
+          <p:nvPr/>
+        </p:nvSpPr>
+        <p:spPr>
+          <a:xfrm>
+            <a:off x="3890861" y="1149718"/>
+            <a:ext cx="429320" cy="461665"/>
+          </a:xfrm>
+          <a:prstGeom prst="rect">
+            <a:avLst/>
+          </a:prstGeom>
+          <a:noFill/>
+        </p:spPr>
+        <p:txBody>
+          <a:bodyPr wrap="square" rtlCol="0">
+            <a:spAutoFit/>
+          </a:bodyPr>
+          <a:lstStyle/>
+          <a:p>
+            <a:r>
+              <a:rPr lang="en-US" altLang="zh-CN" sz="2400" b="1" dirty="0">
+                <a:latin typeface="Times New Roman" panose="02020603050405020304" pitchFamily="18" charset="0"/>
+                <a:cs typeface="Times New Roman" panose="02020603050405020304" pitchFamily="18" charset="0"/>
+              </a:rPr>
+              <a:t>...</a:t>
+            </a:r>
+            <a:endParaRPr lang="zh-CN" altLang="en-US" sz="2400" b="1" dirty="0">
+              <a:latin typeface="Times New Roman" panose="02020603050405020304" pitchFamily="18" charset="0"/>
+              <a:cs typeface="Times New Roman" panose="02020603050405020304" pitchFamily="18" charset="0"/>
+            </a:endParaRPr>
+          </a:p>
+        </p:txBody>
+      </p:sp>
+      <p:cxnSp>
+        <p:nvCxnSpPr>
+          <p:cNvPr id="31" name="直线箭头连接符 28">
+            <a:extLst>
+              <a:ext uri="{FF2B5EF4-FFF2-40B4-BE49-F238E27FC236}">
+                <a16:creationId xmlns:a16="http://schemas.microsoft.com/office/drawing/2014/main" id="{6E5D3764-1785-49AC-89AB-C3EB4F0E9E36}"/>
+              </a:ext>
+            </a:extLst>
+          </p:cNvPr>
+          <p:cNvCxnSpPr/>
+          <p:nvPr/>
+        </p:nvCxnSpPr>
+        <p:spPr>
+          <a:xfrm>
+            <a:off x="1381132" y="2575001"/>
+            <a:ext cx="628650" cy="1636835"/>
+          </a:xfrm>
+          <a:prstGeom prst="straightConnector1">
+            <a:avLst/>
+          </a:prstGeom>
+          <a:ln>
+            <a:tailEnd type="triangle"/>
+          </a:ln>
+        </p:spPr>
+        <p:style>
+          <a:lnRef idx="1">
+            <a:schemeClr val="dk1"/>
+          </a:lnRef>
+          <a:fillRef idx="0">
+            <a:schemeClr val="dk1"/>
+          </a:fillRef>
+          <a:effectRef idx="0">
+            <a:schemeClr val="dk1"/>
+          </a:effectRef>
+          <a:fontRef idx="minor">
+            <a:schemeClr val="tx1"/>
+          </a:fontRef>
+        </p:style>
+      </p:cxnSp>
+      <p:cxnSp>
+        <p:nvCxnSpPr>
+          <p:cNvPr id="32" name="直线箭头连接符 31">
+            <a:extLst>
+              <a:ext uri="{FF2B5EF4-FFF2-40B4-BE49-F238E27FC236}">
+                <a16:creationId xmlns:a16="http://schemas.microsoft.com/office/drawing/2014/main" id="{75A5B062-FBF9-4E41-9A53-14E4018F878D}"/>
+              </a:ext>
+            </a:extLst>
+          </p:cNvPr>
+          <p:cNvCxnSpPr>
+            <a:cxnSpLocks/>
+          </p:cNvCxnSpPr>
+          <p:nvPr/>
+        </p:nvCxnSpPr>
+        <p:spPr>
+          <a:xfrm>
+            <a:off x="2076464" y="2581275"/>
+            <a:ext cx="0" cy="1636835"/>
+          </a:xfrm>
+          <a:prstGeom prst="straightConnector1">
+            <a:avLst/>
+          </a:prstGeom>
+          <a:ln>
+            <a:tailEnd type="triangle"/>
+          </a:ln>
+        </p:spPr>
+        <p:style>
+          <a:lnRef idx="1">
+            <a:schemeClr val="dk1"/>
+          </a:lnRef>
+          <a:fillRef idx="0">
+            <a:schemeClr val="dk1"/>
+          </a:fillRef>
+          <a:effectRef idx="0">
+            <a:schemeClr val="dk1"/>
+          </a:effectRef>
+          <a:fontRef idx="minor">
+            <a:schemeClr val="tx1"/>
+          </a:fontRef>
+        </p:style>
+      </p:cxnSp>
+      <p:cxnSp>
+        <p:nvCxnSpPr>
+          <p:cNvPr id="33" name="直线箭头连接符 45">
+            <a:extLst>
+              <a:ext uri="{FF2B5EF4-FFF2-40B4-BE49-F238E27FC236}">
+                <a16:creationId xmlns:a16="http://schemas.microsoft.com/office/drawing/2014/main" id="{DC7F802C-9FF7-41EB-8804-42B5096FF8BE}"/>
+              </a:ext>
+            </a:extLst>
+          </p:cNvPr>
+          <p:cNvCxnSpPr>
+            <a:cxnSpLocks/>
+          </p:cNvCxnSpPr>
+          <p:nvPr/>
+        </p:nvCxnSpPr>
+        <p:spPr>
+          <a:xfrm flipH="1">
+            <a:off x="2159509" y="2581275"/>
+            <a:ext cx="611429" cy="1636835"/>
+          </a:xfrm>
+          <a:prstGeom prst="straightConnector1">
+            <a:avLst/>
+          </a:prstGeom>
+          <a:ln>
+            <a:tailEnd type="triangle"/>
+          </a:ln>
+        </p:spPr>
+        <p:style>
+          <a:lnRef idx="1">
+            <a:schemeClr val="dk1"/>
+          </a:lnRef>
+          <a:fillRef idx="0">
+            <a:schemeClr val="dk1"/>
+          </a:fillRef>
+          <a:effectRef idx="0">
+            <a:schemeClr val="dk1"/>
+          </a:effectRef>
+          <a:fontRef idx="minor">
+            <a:schemeClr val="tx1"/>
+          </a:fontRef>
+        </p:style>
+      </p:cxnSp>
+      <p:cxnSp>
+        <p:nvCxnSpPr>
+          <p:cNvPr id="34" name="直线箭头连接符 28">
+            <a:extLst>
+              <a:ext uri="{FF2B5EF4-FFF2-40B4-BE49-F238E27FC236}">
+                <a16:creationId xmlns:a16="http://schemas.microsoft.com/office/drawing/2014/main" id="{F7B30850-1FF2-42B9-81C3-C661BE43437E}"/>
+              </a:ext>
+            </a:extLst>
+          </p:cNvPr>
+          <p:cNvCxnSpPr/>
+          <p:nvPr/>
+        </p:nvCxnSpPr>
+        <p:spPr>
+          <a:xfrm>
+            <a:off x="2074021" y="2568727"/>
+            <a:ext cx="628650" cy="1636835"/>
+          </a:xfrm>
+          <a:prstGeom prst="straightConnector1">
+            <a:avLst/>
+          </a:prstGeom>
+          <a:ln>
+            <a:tailEnd type="triangle"/>
+          </a:ln>
+        </p:spPr>
+        <p:style>
+          <a:lnRef idx="1">
+            <a:schemeClr val="dk1"/>
+          </a:lnRef>
+          <a:fillRef idx="0">
+            <a:schemeClr val="dk1"/>
+          </a:fillRef>
+          <a:effectRef idx="0">
+            <a:schemeClr val="dk1"/>
+          </a:effectRef>
+          <a:fontRef idx="minor">
+            <a:schemeClr val="tx1"/>
+          </a:fontRef>
+        </p:style>
+      </p:cxnSp>
+      <p:cxnSp>
+        <p:nvCxnSpPr>
+          <p:cNvPr id="35" name="直线箭头连接符 31">
+            <a:extLst>
+              <a:ext uri="{FF2B5EF4-FFF2-40B4-BE49-F238E27FC236}">
+                <a16:creationId xmlns:a16="http://schemas.microsoft.com/office/drawing/2014/main" id="{7EE8A047-6FC3-4C19-B687-D7B23CB5CAFE}"/>
+              </a:ext>
+            </a:extLst>
+          </p:cNvPr>
+          <p:cNvCxnSpPr>
+            <a:cxnSpLocks/>
+          </p:cNvCxnSpPr>
+          <p:nvPr/>
+        </p:nvCxnSpPr>
+        <p:spPr>
+          <a:xfrm>
+            <a:off x="2769353" y="2575001"/>
+            <a:ext cx="0" cy="1636835"/>
+          </a:xfrm>
+          <a:prstGeom prst="straightConnector1">
+            <a:avLst/>
+          </a:prstGeom>
+          <a:ln>
+            <a:tailEnd type="triangle"/>
+          </a:ln>
+        </p:spPr>
+        <p:style>
+          <a:lnRef idx="1">
+            <a:schemeClr val="dk1"/>
+          </a:lnRef>
+          <a:fillRef idx="0">
+            <a:schemeClr val="dk1"/>
+          </a:fillRef>
+          <a:effectRef idx="0">
+            <a:schemeClr val="dk1"/>
+          </a:effectRef>
+          <a:fontRef idx="minor">
+            <a:schemeClr val="tx1"/>
+          </a:fontRef>
+        </p:style>
+      </p:cxnSp>
+      <p:cxnSp>
+        <p:nvCxnSpPr>
+          <p:cNvPr id="36" name="直线箭头连接符 45">
+            <a:extLst>
+              <a:ext uri="{FF2B5EF4-FFF2-40B4-BE49-F238E27FC236}">
+                <a16:creationId xmlns:a16="http://schemas.microsoft.com/office/drawing/2014/main" id="{C67F3B26-6F15-4DD6-BD0C-822232DAA179}"/>
+              </a:ext>
+            </a:extLst>
+          </p:cNvPr>
+          <p:cNvCxnSpPr>
+            <a:cxnSpLocks/>
+          </p:cNvCxnSpPr>
+          <p:nvPr/>
+        </p:nvCxnSpPr>
+        <p:spPr>
+          <a:xfrm flipH="1">
+            <a:off x="2852398" y="2575001"/>
+            <a:ext cx="611429" cy="1636835"/>
+          </a:xfrm>
+          <a:prstGeom prst="straightConnector1">
+            <a:avLst/>
+          </a:prstGeom>
+          <a:ln>
+            <a:tailEnd type="triangle"/>
+          </a:ln>
+        </p:spPr>
+        <p:style>
+          <a:lnRef idx="1">
+            <a:schemeClr val="dk1"/>
+          </a:lnRef>
+          <a:fillRef idx="0">
+            <a:schemeClr val="dk1"/>
+          </a:fillRef>
+          <a:effectRef idx="0">
+            <a:schemeClr val="dk1"/>
+          </a:effectRef>
+          <a:fontRef idx="minor">
+            <a:schemeClr val="tx1"/>
+          </a:fontRef>
+        </p:style>
+      </p:cxnSp>
+      <p:cxnSp>
+        <p:nvCxnSpPr>
+          <p:cNvPr id="40" name="直线箭头连接符 28">
+            <a:extLst>
+              <a:ext uri="{FF2B5EF4-FFF2-40B4-BE49-F238E27FC236}">
+                <a16:creationId xmlns:a16="http://schemas.microsoft.com/office/drawing/2014/main" id="{3F16EE68-48C5-4B28-A750-5C2E966C5E3A}"/>
+              </a:ext>
+            </a:extLst>
+          </p:cNvPr>
+          <p:cNvCxnSpPr/>
+          <p:nvPr/>
+        </p:nvCxnSpPr>
+        <p:spPr>
+          <a:xfrm>
+            <a:off x="4702907" y="2581275"/>
+            <a:ext cx="628650" cy="1636835"/>
+          </a:xfrm>
+          <a:prstGeom prst="straightConnector1">
+            <a:avLst/>
+          </a:prstGeom>
+          <a:ln>
+            <a:tailEnd type="triangle"/>
+          </a:ln>
+        </p:spPr>
+        <p:style>
+          <a:lnRef idx="1">
+            <a:schemeClr val="dk1"/>
+          </a:lnRef>
+          <a:fillRef idx="0">
+            <a:schemeClr val="dk1"/>
+          </a:fillRef>
+          <a:effectRef idx="0">
+            <a:schemeClr val="dk1"/>
+          </a:effectRef>
+          <a:fontRef idx="minor">
+            <a:schemeClr val="tx1"/>
+          </a:fontRef>
+        </p:style>
+      </p:cxnSp>
+      <p:cxnSp>
+        <p:nvCxnSpPr>
+          <p:cNvPr id="41" name="直线箭头连接符 31">
+            <a:extLst>
+              <a:ext uri="{FF2B5EF4-FFF2-40B4-BE49-F238E27FC236}">
+                <a16:creationId xmlns:a16="http://schemas.microsoft.com/office/drawing/2014/main" id="{D9607200-FE53-45AE-803E-393A7AFEF295}"/>
+              </a:ext>
+            </a:extLst>
+          </p:cNvPr>
+          <p:cNvCxnSpPr>
+            <a:cxnSpLocks/>
+          </p:cNvCxnSpPr>
+          <p:nvPr/>
+        </p:nvCxnSpPr>
+        <p:spPr>
+          <a:xfrm>
+            <a:off x="5398239" y="2587549"/>
+            <a:ext cx="0" cy="1636835"/>
+          </a:xfrm>
+          <a:prstGeom prst="straightConnector1">
+            <a:avLst/>
+          </a:prstGeom>
+          <a:ln>
+            <a:tailEnd type="triangle"/>
+          </a:ln>
+        </p:spPr>
+        <p:style>
+          <a:lnRef idx="1">
+            <a:schemeClr val="dk1"/>
+          </a:lnRef>
+          <a:fillRef idx="0">
+            <a:schemeClr val="dk1"/>
+          </a:fillRef>
+          <a:effectRef idx="0">
+            <a:schemeClr val="dk1"/>
+          </a:effectRef>
+          <a:fontRef idx="minor">
+            <a:schemeClr val="tx1"/>
+          </a:fontRef>
+        </p:style>
+      </p:cxnSp>
+      <p:cxnSp>
+        <p:nvCxnSpPr>
+          <p:cNvPr id="42" name="直线箭头连接符 45">
+            <a:extLst>
+              <a:ext uri="{FF2B5EF4-FFF2-40B4-BE49-F238E27FC236}">
+                <a16:creationId xmlns:a16="http://schemas.microsoft.com/office/drawing/2014/main" id="{761FEDEC-022A-4F98-B06E-6B2699BBA47F}"/>
+              </a:ext>
+            </a:extLst>
+          </p:cNvPr>
+          <p:cNvCxnSpPr>
+            <a:cxnSpLocks/>
+          </p:cNvCxnSpPr>
+          <p:nvPr/>
+        </p:nvCxnSpPr>
+        <p:spPr>
+          <a:xfrm flipH="1">
+            <a:off x="5481284" y="2587549"/>
+            <a:ext cx="611429" cy="1636835"/>
+          </a:xfrm>
+          <a:prstGeom prst="straightConnector1">
+            <a:avLst/>
+          </a:prstGeom>
+          <a:ln>
+            <a:tailEnd type="triangle"/>
+          </a:ln>
+        </p:spPr>
+        <p:style>
+          <a:lnRef idx="1">
+            <a:schemeClr val="dk1"/>
+          </a:lnRef>
+          <a:fillRef idx="0">
+            <a:schemeClr val="dk1"/>
+          </a:fillRef>
+          <a:effectRef idx="0">
+            <a:schemeClr val="dk1"/>
+          </a:effectRef>
+          <a:fontRef idx="minor">
+            <a:schemeClr val="tx1"/>
+          </a:fontRef>
+        </p:style>
+      </p:cxnSp>
+      <p:sp>
+        <p:nvSpPr>
+          <p:cNvPr id="46" name="文本框 45">
+            <a:extLst>
+              <a:ext uri="{FF2B5EF4-FFF2-40B4-BE49-F238E27FC236}">
+                <a16:creationId xmlns:a16="http://schemas.microsoft.com/office/drawing/2014/main" id="{7BDD0A1B-DD5B-4611-86F9-F20643BBB1D0}"/>
+              </a:ext>
+            </a:extLst>
+          </p:cNvPr>
+          <p:cNvSpPr txBox="1"/>
+          <p:nvPr/>
+        </p:nvSpPr>
+        <p:spPr>
+          <a:xfrm>
+            <a:off x="4903463" y="4257768"/>
+            <a:ext cx="2883874" cy="430887"/>
+          </a:xfrm>
+          <a:prstGeom prst="rect">
+            <a:avLst/>
+          </a:prstGeom>
+          <a:noFill/>
+        </p:spPr>
+        <p:txBody>
+          <a:bodyPr wrap="square" rtlCol="0">
+            <a:spAutoFit/>
+          </a:bodyPr>
+          <a:lstStyle/>
+          <a:p>
+            <a:r>
+              <a:rPr kumimoji="1" lang="zh-CN" altLang="en-US" sz="1100" dirty="0"/>
+              <a:t> </a:t>
+            </a:r>
+            <a:r>
+              <a:rPr kumimoji="1" lang="en-US" altLang="zh-CN" sz="1100" dirty="0"/>
+              <a:t>subset-(N-2)</a:t>
+            </a:r>
+          </a:p>
+          <a:p>
+            <a:r>
+              <a:rPr kumimoji="1" lang="zh-CN" altLang="en-US" sz="1100" dirty="0"/>
+              <a:t>      </a:t>
+            </a:r>
+            <a:r>
+              <a:rPr kumimoji="1" lang="en-US" altLang="zh-CN" sz="1100" dirty="0"/>
+              <a:t>COV</a:t>
+            </a:r>
+            <a:endParaRPr kumimoji="1" lang="zh-CN" altLang="en-US" sz="1100" dirty="0"/>
+          </a:p>
+        </p:txBody>
+      </p:sp>
+      <p:graphicFrame>
+        <p:nvGraphicFramePr>
+          <p:cNvPr id="47" name="表格 46">
+            <a:extLst>
+              <a:ext uri="{FF2B5EF4-FFF2-40B4-BE49-F238E27FC236}">
+                <a16:creationId xmlns:a16="http://schemas.microsoft.com/office/drawing/2014/main" id="{28F25E99-84E7-4A8C-BD07-372D4AD52793}"/>
+              </a:ext>
+            </a:extLst>
+          </p:cNvPr>
+          <p:cNvGraphicFramePr>
+            <a:graphicFrameLocks noGrp="1"/>
+          </p:cNvGraphicFramePr>
+          <p:nvPr>
+            <p:extLst>
+              <p:ext uri="{D42A27DB-BD31-4B8C-83A1-F6EECF244321}">
+                <p14:modId xmlns:p14="http://schemas.microsoft.com/office/powerpoint/2010/main" val="3776619487"/>
+              </p:ext>
+            </p:extLst>
+          </p:nvPr>
+        </p:nvGraphicFramePr>
+        <p:xfrm>
+          <a:off x="4892755" y="4726660"/>
+          <a:ext cx="1010967" cy="1082025"/>
+        </p:xfrm>
+        <a:graphic>
+          <a:graphicData uri="http://schemas.openxmlformats.org/drawingml/2006/table">
+            <a:tbl>
+              <a:tblPr firstRow="1" bandRow="1">
+                <a:tableStyleId>{5940675A-B579-460E-94D1-54222C63F5DA}</a:tableStyleId>
+              </a:tblPr>
+              <a:tblGrid>
+                <a:gridCol w="336989">
+                  <a:extLst>
+                    <a:ext uri="{9D8B030D-6E8A-4147-A177-3AD203B41FA5}">
+                      <a16:colId xmlns:a16="http://schemas.microsoft.com/office/drawing/2014/main" val="1188936557"/>
+                    </a:ext>
+                  </a:extLst>
+                </a:gridCol>
+                <a:gridCol w="336989">
+                  <a:extLst>
+                    <a:ext uri="{9D8B030D-6E8A-4147-A177-3AD203B41FA5}">
+                      <a16:colId xmlns:a16="http://schemas.microsoft.com/office/drawing/2014/main" val="4005655092"/>
+                    </a:ext>
+                  </a:extLst>
+                </a:gridCol>
+                <a:gridCol w="336989">
+                  <a:extLst>
+                    <a:ext uri="{9D8B030D-6E8A-4147-A177-3AD203B41FA5}">
+                      <a16:colId xmlns:a16="http://schemas.microsoft.com/office/drawing/2014/main" val="37908674"/>
+                    </a:ext>
+                  </a:extLst>
+                </a:gridCol>
+              </a:tblGrid>
+              <a:tr h="360675">
+                <a:tc>
+                  <a:txBody>
+                    <a:bodyPr/>
+                    <a:lstStyle/>
+                    <a:p>
+                      <a:pPr algn="ctr"/>
+                      <a:r>
+                        <a:rPr lang="en-US" altLang="zh-CN" sz="800" dirty="0"/>
+                        <a:t>cov11</a:t>
+                      </a:r>
+                      <a:endParaRPr lang="zh-CN" altLang="en-US" sz="800" dirty="0"/>
+                    </a:p>
+                  </a:txBody>
+                  <a:tcPr/>
+                </a:tc>
+                <a:tc>
+                  <a:txBody>
+                    <a:bodyPr/>
+                    <a:lstStyle/>
+                    <a:p>
+                      <a:pPr marL="0" marR="0" indent="0" algn="ctr" defTabSz="914400" rtl="0" eaLnBrk="1" fontAlgn="auto" latinLnBrk="0" hangingPunct="1">
+                        <a:lnSpc>
+                          <a:spcPct val="100000"/>
+                        </a:lnSpc>
+                        <a:spcBef>
+                          <a:spcPts val="0"/>
+                        </a:spcBef>
+                        <a:spcAft>
+                          <a:spcPts val="0"/>
+                        </a:spcAft>
+                        <a:buClrTx/>
+                        <a:buSzTx/>
+                        <a:buFontTx/>
+                        <a:buNone/>
+                        <a:tabLst/>
+                        <a:defRPr/>
+                      </a:pPr>
+                      <a:r>
+                        <a:rPr kumimoji="0" lang="en-US" altLang="zh-CN" sz="800" b="0" i="0" u="none" strike="noStrike" kern="1200" cap="none" spc="0" normalizeH="0" baseline="0" noProof="0" dirty="0">
+                          <a:ln>
+                            <a:noFill/>
+                          </a:ln>
+                          <a:solidFill>
+                            <a:prstClr val="black"/>
+                          </a:solidFill>
+                          <a:effectLst/>
+                          <a:uLnTx/>
+                          <a:uFillTx/>
+                          <a:latin typeface="+mn-lt"/>
+                          <a:ea typeface="+mn-ea"/>
+                          <a:cs typeface="+mn-cs"/>
+                        </a:rPr>
+                        <a:t>cov12</a:t>
+                      </a:r>
+                      <a:endParaRPr lang="zh-CN" altLang="en-US" sz="800" dirty="0"/>
+                    </a:p>
+                  </a:txBody>
+                  <a:tcPr/>
+                </a:tc>
+                <a:tc>
+                  <a:txBody>
+                    <a:bodyPr/>
+                    <a:lstStyle/>
+                    <a:p>
+                      <a:pPr algn="ctr"/>
+                      <a:r>
+                        <a:rPr lang="en-US" altLang="zh-CN" sz="800" dirty="0"/>
+                        <a:t>cov13</a:t>
+                      </a:r>
+                      <a:endParaRPr lang="zh-CN" altLang="en-US" sz="800" dirty="0"/>
+                    </a:p>
+                  </a:txBody>
+                  <a:tcPr/>
+                </a:tc>
+                <a:extLst>
+                  <a:ext uri="{0D108BD9-81ED-4DB2-BD59-A6C34878D82A}">
+                    <a16:rowId xmlns:a16="http://schemas.microsoft.com/office/drawing/2014/main" val="4056667004"/>
+                  </a:ext>
+                </a:extLst>
+              </a:tr>
+              <a:tr h="360675">
+                <a:tc>
+                  <a:txBody>
+                    <a:bodyPr/>
+                    <a:lstStyle/>
+                    <a:p>
+                      <a:pPr algn="ctr"/>
+                      <a:r>
+                        <a:rPr lang="en-US" altLang="zh-CN" sz="800" dirty="0"/>
+                        <a:t>cov21</a:t>
+                      </a:r>
+                      <a:endParaRPr lang="zh-CN" altLang="en-US" sz="800" dirty="0"/>
+                    </a:p>
+                  </a:txBody>
+                  <a:tcPr/>
+                </a:tc>
+                <a:tc>
+                  <a:txBody>
+                    <a:bodyPr/>
+                    <a:lstStyle/>
+                    <a:p>
+                      <a:pPr algn="ctr"/>
+                      <a:r>
+                        <a:rPr lang="en-US" altLang="zh-CN" sz="800" dirty="0"/>
+                        <a:t>cov22</a:t>
+                      </a:r>
+                      <a:endParaRPr lang="zh-CN" altLang="en-US" sz="800" dirty="0"/>
+                    </a:p>
+                  </a:txBody>
+                  <a:tcPr/>
+                </a:tc>
+                <a:tc>
+                  <a:txBody>
+                    <a:bodyPr/>
+                    <a:lstStyle/>
+                    <a:p>
+                      <a:pPr algn="ctr"/>
+                      <a:r>
+                        <a:rPr lang="en-US" altLang="zh-CN" sz="800" dirty="0"/>
+                        <a:t>cov23</a:t>
+                      </a:r>
+                      <a:endParaRPr lang="zh-CN" altLang="en-US" sz="800" dirty="0"/>
+                    </a:p>
+                  </a:txBody>
+                  <a:tcPr/>
+                </a:tc>
+                <a:extLst>
+                  <a:ext uri="{0D108BD9-81ED-4DB2-BD59-A6C34878D82A}">
+                    <a16:rowId xmlns:a16="http://schemas.microsoft.com/office/drawing/2014/main" val="695495822"/>
+                  </a:ext>
+                </a:extLst>
+              </a:tr>
+              <a:tr h="360675">
+                <a:tc>
+                  <a:txBody>
+                    <a:bodyPr/>
+                    <a:lstStyle/>
+                    <a:p>
+                      <a:pPr algn="ctr"/>
+                      <a:r>
+                        <a:rPr lang="en-US" altLang="zh-CN" sz="800" dirty="0"/>
+                        <a:t>cov31</a:t>
+                      </a:r>
+                      <a:endParaRPr lang="zh-CN" altLang="en-US" sz="800" dirty="0"/>
+                    </a:p>
+                  </a:txBody>
+                  <a:tcPr/>
+                </a:tc>
+                <a:tc>
+                  <a:txBody>
+                    <a:bodyPr/>
+                    <a:lstStyle/>
+                    <a:p>
+                      <a:pPr algn="ctr"/>
+                      <a:r>
+                        <a:rPr lang="en-US" altLang="zh-CN" sz="800" dirty="0"/>
+                        <a:t>cov32</a:t>
+                      </a:r>
+                      <a:endParaRPr lang="zh-CN" altLang="en-US" sz="800" dirty="0"/>
+                    </a:p>
+                  </a:txBody>
+                  <a:tcPr/>
+                </a:tc>
+                <a:tc>
+                  <a:txBody>
+                    <a:bodyPr/>
+                    <a:lstStyle/>
+                    <a:p>
+                      <a:pPr algn="ctr"/>
+                      <a:r>
+                        <a:rPr lang="en-US" altLang="zh-CN" sz="800" dirty="0"/>
+                        <a:t>cov33</a:t>
+                      </a:r>
+                      <a:endParaRPr lang="zh-CN" altLang="en-US" sz="800" dirty="0"/>
+                    </a:p>
+                  </a:txBody>
+                  <a:tcPr/>
+                </a:tc>
+                <a:extLst>
+                  <a:ext uri="{0D108BD9-81ED-4DB2-BD59-A6C34878D82A}">
+                    <a16:rowId xmlns:a16="http://schemas.microsoft.com/office/drawing/2014/main" val="4182403726"/>
+                  </a:ext>
+                </a:extLst>
+              </a:tr>
+            </a:tbl>
+          </a:graphicData>
+        </a:graphic>
+      </p:graphicFrame>
+      <p:sp>
+        <p:nvSpPr>
+          <p:cNvPr id="49" name="文本框 48">
+            <a:extLst>
+              <a:ext uri="{FF2B5EF4-FFF2-40B4-BE49-F238E27FC236}">
+                <a16:creationId xmlns:a16="http://schemas.microsoft.com/office/drawing/2014/main" id="{21C8C939-5514-4AB3-A857-E6F444C89835}"/>
+              </a:ext>
+            </a:extLst>
+          </p:cNvPr>
+          <p:cNvSpPr txBox="1"/>
+          <p:nvPr/>
+        </p:nvSpPr>
+        <p:spPr>
+          <a:xfrm>
+            <a:off x="3895963" y="3266385"/>
+            <a:ext cx="429320" cy="461665"/>
+          </a:xfrm>
+          <a:prstGeom prst="rect">
+            <a:avLst/>
+          </a:prstGeom>
+          <a:noFill/>
+        </p:spPr>
+        <p:txBody>
+          <a:bodyPr wrap="square" rtlCol="0">
+            <a:spAutoFit/>
+          </a:bodyPr>
+          <a:lstStyle/>
+          <a:p>
+            <a:r>
+              <a:rPr lang="en-US" altLang="zh-CN" sz="2400" b="1" dirty="0">
+                <a:latin typeface="Times New Roman" panose="02020603050405020304" pitchFamily="18" charset="0"/>
+                <a:cs typeface="Times New Roman" panose="02020603050405020304" pitchFamily="18" charset="0"/>
+              </a:rPr>
+              <a:t>...</a:t>
+            </a:r>
+            <a:endParaRPr lang="zh-CN" altLang="en-US" sz="2400" b="1" dirty="0">
+              <a:latin typeface="Times New Roman" panose="02020603050405020304" pitchFamily="18" charset="0"/>
+              <a:cs typeface="Times New Roman" panose="02020603050405020304" pitchFamily="18" charset="0"/>
+            </a:endParaRPr>
+          </a:p>
+        </p:txBody>
+      </p:sp>
+      <p:sp>
+        <p:nvSpPr>
+          <p:cNvPr id="50" name="文本框 49">
+            <a:extLst>
+              <a:ext uri="{FF2B5EF4-FFF2-40B4-BE49-F238E27FC236}">
+                <a16:creationId xmlns:a16="http://schemas.microsoft.com/office/drawing/2014/main" id="{3A57D63D-ED18-47D8-9C56-393B8C9263D0}"/>
+              </a:ext>
+            </a:extLst>
+          </p:cNvPr>
+          <p:cNvSpPr txBox="1"/>
+          <p:nvPr/>
+        </p:nvSpPr>
+        <p:spPr>
+          <a:xfrm>
+            <a:off x="3889108" y="4960641"/>
+            <a:ext cx="429320" cy="461665"/>
+          </a:xfrm>
+          <a:prstGeom prst="rect">
+            <a:avLst/>
+          </a:prstGeom>
+          <a:noFill/>
+        </p:spPr>
+        <p:txBody>
+          <a:bodyPr wrap="square" rtlCol="0">
+            <a:spAutoFit/>
+          </a:bodyPr>
+          <a:lstStyle/>
+          <a:p>
+            <a:r>
+              <a:rPr lang="en-US" altLang="zh-CN" sz="2400" b="1" dirty="0">
+                <a:latin typeface="Times New Roman" panose="02020603050405020304" pitchFamily="18" charset="0"/>
+                <a:cs typeface="Times New Roman" panose="02020603050405020304" pitchFamily="18" charset="0"/>
+              </a:rPr>
+              <a:t>...</a:t>
+            </a:r>
+            <a:endParaRPr lang="zh-CN" altLang="en-US" sz="2400" b="1" dirty="0">
+              <a:latin typeface="Times New Roman" panose="02020603050405020304" pitchFamily="18" charset="0"/>
+              <a:cs typeface="Times New Roman" panose="02020603050405020304" pitchFamily="18" charset="0"/>
+            </a:endParaRPr>
+          </a:p>
+        </p:txBody>
+      </p:sp>
+      <p:sp>
+        <p:nvSpPr>
+          <p:cNvPr id="51" name="右大括号 50">
+            <a:extLst>
+              <a:ext uri="{FF2B5EF4-FFF2-40B4-BE49-F238E27FC236}">
+                <a16:creationId xmlns:a16="http://schemas.microsoft.com/office/drawing/2014/main" id="{915760F5-5C8C-4E14-909B-2E85C51DD9FE}"/>
+              </a:ext>
+            </a:extLst>
+          </p:cNvPr>
+          <p:cNvSpPr/>
+          <p:nvPr/>
+        </p:nvSpPr>
+        <p:spPr>
+          <a:xfrm rot="5400000">
+            <a:off x="3111556" y="3298358"/>
+            <a:ext cx="149160" cy="5435176"/>
+          </a:xfrm>
+          <a:prstGeom prst="rightBrace">
+            <a:avLst/>
+          </a:prstGeom>
+        </p:spPr>
+        <p:style>
+          <a:lnRef idx="1">
+            <a:schemeClr val="dk1"/>
+          </a:lnRef>
+          <a:fillRef idx="0">
+            <a:schemeClr val="dk1"/>
+          </a:fillRef>
+          <a:effectRef idx="0">
+            <a:schemeClr val="dk1"/>
+          </a:effectRef>
+          <a:fontRef idx="minor">
+            <a:schemeClr val="tx1"/>
+          </a:fontRef>
+        </p:style>
+        <p:txBody>
+          <a:bodyPr rtlCol="0" anchor="ctr"/>
+          <a:lstStyle/>
+          <a:p>
+            <a:pPr algn="ctr"/>
+            <a:endParaRPr lang="zh-CN" altLang="en-US"/>
+          </a:p>
+        </p:txBody>
+      </p:sp>
+      <p:sp>
+        <p:nvSpPr>
+          <p:cNvPr id="53" name="文本框 52">
+            <a:extLst>
+              <a:ext uri="{FF2B5EF4-FFF2-40B4-BE49-F238E27FC236}">
+                <a16:creationId xmlns:a16="http://schemas.microsoft.com/office/drawing/2014/main" id="{6C8BAA30-E41E-44C0-BA77-61D5DABAC859}"/>
+              </a:ext>
+            </a:extLst>
+          </p:cNvPr>
+          <p:cNvSpPr txBox="1"/>
+          <p:nvPr/>
+        </p:nvSpPr>
+        <p:spPr>
+          <a:xfrm rot="5400000">
+            <a:off x="6056892" y="1301340"/>
+            <a:ext cx="1808480" cy="276999"/>
+          </a:xfrm>
+          <a:prstGeom prst="rect">
+            <a:avLst/>
+          </a:prstGeom>
+          <a:noFill/>
+        </p:spPr>
+        <p:txBody>
+          <a:bodyPr wrap="square" rtlCol="0">
+            <a:spAutoFit/>
+          </a:bodyPr>
+          <a:lstStyle/>
+          <a:p>
+            <a:pPr algn="ctr"/>
+            <a:r>
+              <a:rPr lang="en-US" altLang="zh-CN" sz="1200" b="1" dirty="0"/>
+              <a:t>Time</a:t>
+            </a:r>
+            <a:endParaRPr lang="zh-CN" altLang="en-US" sz="1200" b="1" dirty="0"/>
+          </a:p>
+        </p:txBody>
+      </p:sp>
+      <p:sp>
+        <p:nvSpPr>
+          <p:cNvPr id="37" name="文本框 36">
+            <a:extLst>
+              <a:ext uri="{FF2B5EF4-FFF2-40B4-BE49-F238E27FC236}">
+                <a16:creationId xmlns:a16="http://schemas.microsoft.com/office/drawing/2014/main" id="{E0C2C7A8-8F10-4A9C-9B4D-CBF53111B5FE}"/>
+              </a:ext>
+            </a:extLst>
+          </p:cNvPr>
+          <p:cNvSpPr txBox="1"/>
+          <p:nvPr/>
+        </p:nvSpPr>
+        <p:spPr>
+          <a:xfrm>
+            <a:off x="2627727" y="132023"/>
+            <a:ext cx="1808480" cy="307777"/>
+          </a:xfrm>
+          <a:prstGeom prst="rect">
+            <a:avLst/>
+          </a:prstGeom>
+          <a:noFill/>
+        </p:spPr>
+        <p:txBody>
+          <a:bodyPr wrap="square" rtlCol="0">
+            <a:spAutoFit/>
+          </a:bodyPr>
+          <a:lstStyle/>
+          <a:p>
+            <a:pPr algn="ctr"/>
+            <a:r>
+              <a:rPr lang="en-US" altLang="zh-CN" sz="1400" b="1" dirty="0"/>
+              <a:t>Sliding window</a:t>
+            </a:r>
+            <a:endParaRPr lang="zh-CN" altLang="en-US" sz="1400" b="1" dirty="0"/>
+          </a:p>
+        </p:txBody>
+      </p:sp>
+    </p:spTree>
+    <p:extLst>
+      <p:ext uri="{BB962C8B-B14F-4D97-AF65-F5344CB8AC3E}">
+        <p14:creationId xmlns:p14="http://schemas.microsoft.com/office/powerpoint/2010/main" val="1455072297"/>
       </p:ext>
     </p:extLst>
   </p:cSld>
